--- a/Python.pptx
+++ b/Python.pptx
@@ -5,19 +5,15 @@
     <p:sldMasterId id="2147483784" r:id="rId1"/>
   </p:sldMasterIdLst>
   <p:notesMasterIdLst>
-    <p:notesMasterId r:id="rId12"/>
+    <p:notesMasterId r:id="rId8"/>
   </p:notesMasterIdLst>
   <p:sldIdLst>
     <p:sldId id="256" r:id="rId2"/>
     <p:sldId id="257" r:id="rId3"/>
-    <p:sldId id="258" r:id="rId4"/>
-    <p:sldId id="259" r:id="rId5"/>
-    <p:sldId id="366" r:id="rId6"/>
-    <p:sldId id="260" r:id="rId7"/>
-    <p:sldId id="261" r:id="rId8"/>
-    <p:sldId id="265" r:id="rId9"/>
-    <p:sldId id="266" r:id="rId10"/>
-    <p:sldId id="365" r:id="rId11"/>
+    <p:sldId id="367" r:id="rId4"/>
+    <p:sldId id="258" r:id="rId5"/>
+    <p:sldId id="259" r:id="rId6"/>
+    <p:sldId id="366" r:id="rId7"/>
   </p:sldIdLst>
   <p:sldSz cx="12192000" cy="6858000"/>
   <p:notesSz cx="6858000" cy="9144000"/>
@@ -116,6 +112,11 @@
       </a:defRPr>
     </a:lvl9pPr>
   </p:defaultTextStyle>
+  <p:extLst>
+    <p:ext uri="{EFAFB233-063F-42B5-8137-9DF3F51BA10A}">
+      <p15:sldGuideLst xmlns:p15="http://schemas.microsoft.com/office/powerpoint/2012/main"/>
+    </p:ext>
+  </p:extLst>
 </p:presentation>
 </file>
 
@@ -201,7 +202,7 @@
           <a:p>
             <a:fld id="{9AFC7A55-5FBC-469C-A21C-139CDEF0A4D6}" type="datetimeFigureOut">
               <a:rPr lang="en-US" smtClean="0"/>
-              <a:t>8/8/2018</a:t>
+              <a:t>8/8/18</a:t>
             </a:fld>
             <a:endParaRPr lang="en-US"/>
           </a:p>
@@ -836,6 +837,374 @@
 </p:notes>
 </file>
 
+<file path=ppt/notesSlides/notesSlide2.xml><?xml version="1.0" encoding="utf-8"?>
+<p:notes xmlns:a="http://schemas.openxmlformats.org/drawingml/2006/main" xmlns:r="http://schemas.openxmlformats.org/officeDocument/2006/relationships" xmlns:p="http://schemas.openxmlformats.org/presentationml/2006/main">
+  <p:cSld>
+    <p:spTree>
+      <p:nvGrpSpPr>
+        <p:cNvPr id="1" name=""/>
+        <p:cNvGrpSpPr/>
+        <p:nvPr/>
+      </p:nvGrpSpPr>
+      <p:grpSpPr>
+        <a:xfrm>
+          <a:off x="0" y="0"/>
+          <a:ext cx="0" cy="0"/>
+          <a:chOff x="0" y="0"/>
+          <a:chExt cx="0" cy="0"/>
+        </a:xfrm>
+      </p:grpSpPr>
+      <p:sp>
+        <p:nvSpPr>
+          <p:cNvPr id="2" name="Slide Image Placeholder 1"/>
+          <p:cNvSpPr>
+            <a:spLocks noGrp="1" noRot="1" noChangeAspect="1"/>
+          </p:cNvSpPr>
+          <p:nvPr>
+            <p:ph type="sldImg"/>
+          </p:nvPr>
+        </p:nvSpPr>
+        <p:spPr/>
+      </p:sp>
+      <p:sp>
+        <p:nvSpPr>
+          <p:cNvPr id="3" name="Notes Placeholder 2"/>
+          <p:cNvSpPr>
+            <a:spLocks noGrp="1"/>
+          </p:cNvSpPr>
+          <p:nvPr>
+            <p:ph type="body" idx="1"/>
+          </p:nvPr>
+        </p:nvSpPr>
+        <p:spPr/>
+        <p:txBody>
+          <a:bodyPr/>
+          <a:lstStyle/>
+          <a:p>
+            <a:pPr marL="228600" indent="-228600">
+              <a:buAutoNum type="arabicPeriod"/>
+            </a:pPr>
+            <a:r>
+              <a:rPr lang="en-US" sz="1200" b="0" i="0" kern="1200" dirty="0">
+                <a:solidFill>
+                  <a:schemeClr val="tx1"/>
+                </a:solidFill>
+                <a:effectLst/>
+                <a:latin typeface="+mn-lt"/>
+                <a:ea typeface="+mn-ea"/>
+                <a:cs typeface="+mn-cs"/>
+              </a:rPr>
+              <a:t>The name is appropriated from Monty Python, which creator Guido Van Possum selected to indicate that Python should be fun to use.</a:t>
+            </a:r>
+          </a:p>
+          <a:p>
+            <a:pPr marL="228600" indent="-228600">
+              <a:buAutoNum type="arabicPeriod"/>
+            </a:pPr>
+            <a:r>
+              <a:rPr lang="en-US" sz="1200" b="0" i="0" kern="1200" dirty="0">
+                <a:solidFill>
+                  <a:schemeClr val="tx1"/>
+                </a:solidFill>
+                <a:effectLst/>
+                <a:latin typeface="+mn-lt"/>
+                <a:ea typeface="+mn-ea"/>
+                <a:cs typeface="+mn-cs"/>
+              </a:rPr>
+              <a:t>It is ‘Pythonic’ when the code is written in a fluent and natural style.</a:t>
+            </a:r>
+          </a:p>
+          <a:p>
+            <a:pPr marL="228600" indent="-228600">
+              <a:buAutoNum type="arabicPeriod"/>
+            </a:pPr>
+            <a:endParaRPr lang="en-US" sz="1200" b="0" i="0" kern="1200" dirty="0">
+              <a:solidFill>
+                <a:schemeClr val="tx1"/>
+              </a:solidFill>
+              <a:effectLst/>
+              <a:latin typeface="+mn-lt"/>
+              <a:ea typeface="+mn-ea"/>
+              <a:cs typeface="+mn-cs"/>
+            </a:endParaRPr>
+          </a:p>
+          <a:p>
+            <a:pPr marL="0" indent="0">
+              <a:buNone/>
+            </a:pPr>
+            <a:endParaRPr lang="en-US" sz="1200" b="0" i="0" kern="1200" dirty="0">
+              <a:solidFill>
+                <a:schemeClr val="tx1"/>
+              </a:solidFill>
+              <a:effectLst/>
+              <a:latin typeface="+mn-lt"/>
+              <a:ea typeface="+mn-ea"/>
+              <a:cs typeface="+mn-cs"/>
+            </a:endParaRPr>
+          </a:p>
+          <a:p>
+            <a:pPr marL="228600" indent="-228600">
+              <a:buAutoNum type="arabicPeriod"/>
+            </a:pPr>
+            <a:r>
+              <a:rPr lang="en-US" sz="1200" b="0" i="0" kern="1200" dirty="0">
+                <a:solidFill>
+                  <a:schemeClr val="tx1"/>
+                </a:solidFill>
+                <a:effectLst/>
+                <a:latin typeface="+mn-lt"/>
+                <a:ea typeface="+mn-ea"/>
+                <a:cs typeface="+mn-cs"/>
+              </a:rPr>
+              <a:t>Python can handle every job from data mining to website construction to running embedded systems, all in one unified language.</a:t>
+            </a:r>
+          </a:p>
+          <a:p>
+            <a:pPr marL="228600" indent="-228600">
+              <a:buAutoNum type="arabicPeriod"/>
+            </a:pPr>
+            <a:r>
+              <a:rPr lang="en-US" sz="1200" b="0" i="0" kern="1200" dirty="0">
+                <a:solidFill>
+                  <a:schemeClr val="tx1"/>
+                </a:solidFill>
+                <a:effectLst/>
+                <a:latin typeface="+mn-lt"/>
+                <a:ea typeface="+mn-ea"/>
+                <a:cs typeface="+mn-cs"/>
+              </a:rPr>
+              <a:t>the available libraries that lead to Python’s success: some 72,000 of them in the Python Package Index (</a:t>
+            </a:r>
+            <a:r>
+              <a:rPr lang="en-US" sz="1200" b="0" i="0" kern="1200" dirty="0" err="1">
+                <a:solidFill>
+                  <a:schemeClr val="tx1"/>
+                </a:solidFill>
+                <a:effectLst/>
+                <a:latin typeface="+mn-lt"/>
+                <a:ea typeface="+mn-ea"/>
+                <a:cs typeface="+mn-cs"/>
+              </a:rPr>
+              <a:t>PyPI</a:t>
+            </a:r>
+            <a:r>
+              <a:rPr lang="en-US" sz="1200" b="0" i="0" kern="1200" dirty="0">
+                <a:solidFill>
+                  <a:schemeClr val="tx1"/>
+                </a:solidFill>
+                <a:effectLst/>
+                <a:latin typeface="+mn-lt"/>
+                <a:ea typeface="+mn-ea"/>
+                <a:cs typeface="+mn-cs"/>
+              </a:rPr>
+              <a:t>) and growing constantly.</a:t>
+            </a:r>
+          </a:p>
+          <a:p>
+            <a:pPr marL="228600" indent="-228600">
+              <a:buAutoNum type="arabicPeriod"/>
+            </a:pPr>
+            <a:r>
+              <a:rPr lang="en-US" sz="1200" b="0" i="0" kern="1200" dirty="0">
+                <a:solidFill>
+                  <a:schemeClr val="tx1"/>
+                </a:solidFill>
+                <a:effectLst/>
+                <a:latin typeface="+mn-lt"/>
+                <a:ea typeface="+mn-ea"/>
+                <a:cs typeface="+mn-cs"/>
+              </a:rPr>
+              <a:t>Number of dedicated analytical libraries available today mean that data scientists in almost every sector will find packages already tailored to their needs freely available for download.</a:t>
+            </a:r>
+          </a:p>
+          <a:p>
+            <a:pPr marL="228600" indent="-228600">
+              <a:buAutoNum type="arabicPeriod"/>
+            </a:pPr>
+            <a:endParaRPr lang="en-US" sz="1200" b="0" i="0" kern="1200" dirty="0">
+              <a:solidFill>
+                <a:schemeClr val="tx1"/>
+              </a:solidFill>
+              <a:effectLst/>
+              <a:latin typeface="+mn-lt"/>
+              <a:ea typeface="+mn-ea"/>
+              <a:cs typeface="+mn-cs"/>
+            </a:endParaRPr>
+          </a:p>
+          <a:p>
+            <a:pPr marL="0" indent="0">
+              <a:buNone/>
+            </a:pPr>
+            <a:endParaRPr lang="en-US" sz="1200" b="0" i="0" kern="1200" dirty="0">
+              <a:solidFill>
+                <a:schemeClr val="tx1"/>
+              </a:solidFill>
+              <a:effectLst/>
+              <a:latin typeface="+mn-lt"/>
+              <a:ea typeface="+mn-ea"/>
+              <a:cs typeface="+mn-cs"/>
+            </a:endParaRPr>
+          </a:p>
+          <a:p>
+            <a:pPr marL="228600" indent="-228600">
+              <a:buAutoNum type="arabicPeriod"/>
+            </a:pPr>
+            <a:r>
+              <a:rPr lang="en-US" sz="1200" b="0" i="0" kern="1200" dirty="0">
+                <a:solidFill>
+                  <a:schemeClr val="tx1"/>
+                </a:solidFill>
+                <a:effectLst/>
+                <a:latin typeface="+mn-lt"/>
+                <a:ea typeface="+mn-ea"/>
+                <a:cs typeface="+mn-cs"/>
+              </a:rPr>
+              <a:t>When compared to other languages like R, Python has established a lead by emerging as a scalable language, and it is faster than other languages like </a:t>
+            </a:r>
+            <a:r>
+              <a:rPr lang="en-US" sz="1200" b="0" i="0" kern="1200" dirty="0" err="1">
+                <a:solidFill>
+                  <a:schemeClr val="tx1"/>
+                </a:solidFill>
+                <a:effectLst/>
+                <a:latin typeface="+mn-lt"/>
+                <a:ea typeface="+mn-ea"/>
+                <a:cs typeface="+mn-cs"/>
+              </a:rPr>
+              <a:t>Matlab</a:t>
+            </a:r>
+            <a:r>
+              <a:rPr lang="en-US" sz="1200" b="0" i="0" kern="1200" dirty="0">
+                <a:solidFill>
+                  <a:schemeClr val="tx1"/>
+                </a:solidFill>
+                <a:effectLst/>
+                <a:latin typeface="+mn-lt"/>
+                <a:ea typeface="+mn-ea"/>
+                <a:cs typeface="+mn-cs"/>
+              </a:rPr>
+              <a:t> and Stata.</a:t>
+            </a:r>
+          </a:p>
+          <a:p>
+            <a:pPr marL="228600" indent="-228600">
+              <a:buAutoNum type="arabicPeriod"/>
+            </a:pPr>
+            <a:r>
+              <a:rPr lang="en-US" sz="1200" b="0" i="0" kern="1200" dirty="0">
+                <a:solidFill>
+                  <a:schemeClr val="tx1"/>
+                </a:solidFill>
+                <a:effectLst/>
+                <a:latin typeface="+mn-lt"/>
+                <a:ea typeface="+mn-ea"/>
+                <a:cs typeface="+mn-cs"/>
+              </a:rPr>
+              <a:t>Python comes with varied visualization options. </a:t>
+            </a:r>
+          </a:p>
+          <a:p>
+            <a:pPr marL="228600" indent="-228600">
+              <a:buAutoNum type="arabicPeriod"/>
+            </a:pPr>
+            <a:r>
+              <a:rPr lang="en-US" sz="1200" b="0" i="0" kern="1200" dirty="0">
+                <a:solidFill>
+                  <a:schemeClr val="tx1"/>
+                </a:solidFill>
+                <a:effectLst/>
+                <a:latin typeface="+mn-lt"/>
+                <a:ea typeface="+mn-ea"/>
+                <a:cs typeface="+mn-cs"/>
+              </a:rPr>
+              <a:t>Matplotlib provides the solid foundation around which other libraries like Seaborn, pandas plotting, and </a:t>
+            </a:r>
+            <a:r>
+              <a:rPr lang="en-US" sz="1200" b="0" i="0" kern="1200" dirty="0" err="1">
+                <a:solidFill>
+                  <a:schemeClr val="tx1"/>
+                </a:solidFill>
+                <a:effectLst/>
+                <a:latin typeface="+mn-lt"/>
+                <a:ea typeface="+mn-ea"/>
+                <a:cs typeface="+mn-cs"/>
+              </a:rPr>
+              <a:t>ggplot</a:t>
+            </a:r>
+            <a:r>
+              <a:rPr lang="en-US" sz="1200" b="0" i="0" kern="1200" dirty="0">
+                <a:solidFill>
+                  <a:schemeClr val="tx1"/>
+                </a:solidFill>
+                <a:effectLst/>
+                <a:latin typeface="+mn-lt"/>
+                <a:ea typeface="+mn-ea"/>
+                <a:cs typeface="+mn-cs"/>
+              </a:rPr>
+              <a:t> have been built. </a:t>
+            </a:r>
+          </a:p>
+          <a:p>
+            <a:pPr marL="228600" indent="-228600">
+              <a:buAutoNum type="arabicPeriod"/>
+            </a:pPr>
+            <a:r>
+              <a:rPr lang="en-US" sz="1200" b="0" i="0" kern="1200" dirty="0">
+                <a:solidFill>
+                  <a:schemeClr val="tx1"/>
+                </a:solidFill>
+                <a:effectLst/>
+                <a:latin typeface="+mn-lt"/>
+                <a:ea typeface="+mn-ea"/>
+                <a:cs typeface="+mn-cs"/>
+              </a:rPr>
+              <a:t>The visualization packages help you get a good sense of data, create charts, graphical plot and create web-ready interactive plots.</a:t>
+            </a:r>
+          </a:p>
+          <a:p>
+            <a:pPr marL="228600" indent="-228600">
+              <a:buAutoNum type="arabicPeriod"/>
+            </a:pPr>
+            <a:endParaRPr lang="en-US" dirty="0"/>
+          </a:p>
+        </p:txBody>
+      </p:sp>
+      <p:sp>
+        <p:nvSpPr>
+          <p:cNvPr id="4" name="Slide Number Placeholder 3"/>
+          <p:cNvSpPr>
+            <a:spLocks noGrp="1"/>
+          </p:cNvSpPr>
+          <p:nvPr>
+            <p:ph type="sldNum" sz="quarter" idx="10"/>
+          </p:nvPr>
+        </p:nvSpPr>
+        <p:spPr/>
+        <p:txBody>
+          <a:bodyPr/>
+          <a:lstStyle/>
+          <a:p>
+            <a:fld id="{F6F76802-F674-477D-845F-9663A2699FA1}" type="slidenum">
+              <a:rPr lang="en-US" smtClean="0"/>
+              <a:t>3</a:t>
+            </a:fld>
+            <a:endParaRPr lang="en-US"/>
+          </a:p>
+        </p:txBody>
+      </p:sp>
+    </p:spTree>
+    <p:extLst>
+      <p:ext uri="{BB962C8B-B14F-4D97-AF65-F5344CB8AC3E}">
+        <p14:creationId xmlns:p14="http://schemas.microsoft.com/office/powerpoint/2010/main" val="948314160"/>
+      </p:ext>
+    </p:extLst>
+  </p:cSld>
+  <p:clrMapOvr>
+    <a:masterClrMapping/>
+  </p:clrMapOvr>
+</p:notes>
+</file>
+
 <file path=ppt/slideLayouts/slideLayout1.xml><?xml version="1.0" encoding="utf-8"?>
 <p:sldLayout xmlns:a="http://schemas.openxmlformats.org/drawingml/2006/main" xmlns:r="http://schemas.openxmlformats.org/officeDocument/2006/relationships" xmlns:p="http://schemas.openxmlformats.org/presentationml/2006/main" type="title" preserve="1">
   <p:cSld name="Title Slide">
@@ -983,7 +1352,7 @@
           <a:p>
             <a:fld id="{95F0EC3E-6664-4B53-8059-81336C2557A4}" type="datetimeFigureOut">
               <a:rPr lang="en-US" smtClean="0"/>
-              <a:t>8/8/2018</a:t>
+              <a:t>8/8/18</a:t>
             </a:fld>
             <a:endParaRPr lang="en-US"/>
           </a:p>
@@ -1181,7 +1550,7 @@
           <a:p>
             <a:fld id="{95F0EC3E-6664-4B53-8059-81336C2557A4}" type="datetimeFigureOut">
               <a:rPr lang="en-US" smtClean="0"/>
-              <a:t>8/8/2018</a:t>
+              <a:t>8/8/18</a:t>
             </a:fld>
             <a:endParaRPr lang="en-US"/>
           </a:p>
@@ -1389,7 +1758,7 @@
           <a:p>
             <a:fld id="{95F0EC3E-6664-4B53-8059-81336C2557A4}" type="datetimeFigureOut">
               <a:rPr lang="en-US" smtClean="0"/>
-              <a:t>8/8/2018</a:t>
+              <a:t>8/8/18</a:t>
             </a:fld>
             <a:endParaRPr lang="en-US"/>
           </a:p>
@@ -1587,7 +1956,7 @@
           <a:p>
             <a:fld id="{95F0EC3E-6664-4B53-8059-81336C2557A4}" type="datetimeFigureOut">
               <a:rPr lang="en-US" smtClean="0"/>
-              <a:t>8/8/2018</a:t>
+              <a:t>8/8/18</a:t>
             </a:fld>
             <a:endParaRPr lang="en-US"/>
           </a:p>
@@ -1862,7 +2231,7 @@
           <a:p>
             <a:fld id="{95F0EC3E-6664-4B53-8059-81336C2557A4}" type="datetimeFigureOut">
               <a:rPr lang="en-US" smtClean="0"/>
-              <a:t>8/8/2018</a:t>
+              <a:t>8/8/18</a:t>
             </a:fld>
             <a:endParaRPr lang="en-US"/>
           </a:p>
@@ -2127,7 +2496,7 @@
           <a:p>
             <a:fld id="{95F0EC3E-6664-4B53-8059-81336C2557A4}" type="datetimeFigureOut">
               <a:rPr lang="en-US" smtClean="0"/>
-              <a:t>8/8/2018</a:t>
+              <a:t>8/8/18</a:t>
             </a:fld>
             <a:endParaRPr lang="en-US"/>
           </a:p>
@@ -2539,7 +2908,7 @@
           <a:p>
             <a:fld id="{95F0EC3E-6664-4B53-8059-81336C2557A4}" type="datetimeFigureOut">
               <a:rPr lang="en-US" smtClean="0"/>
-              <a:t>8/8/2018</a:t>
+              <a:t>8/8/18</a:t>
             </a:fld>
             <a:endParaRPr lang="en-US"/>
           </a:p>
@@ -2680,7 +3049,7 @@
           <a:p>
             <a:fld id="{95F0EC3E-6664-4B53-8059-81336C2557A4}" type="datetimeFigureOut">
               <a:rPr lang="en-US" smtClean="0"/>
-              <a:t>8/8/2018</a:t>
+              <a:t>8/8/18</a:t>
             </a:fld>
             <a:endParaRPr lang="en-US"/>
           </a:p>
@@ -2793,7 +3162,7 @@
           <a:p>
             <a:fld id="{95F0EC3E-6664-4B53-8059-81336C2557A4}" type="datetimeFigureOut">
               <a:rPr lang="en-US" smtClean="0"/>
-              <a:t>8/8/2018</a:t>
+              <a:t>8/8/18</a:t>
             </a:fld>
             <a:endParaRPr lang="en-US"/>
           </a:p>
@@ -3104,7 +3473,7 @@
           <a:p>
             <a:fld id="{95F0EC3E-6664-4B53-8059-81336C2557A4}" type="datetimeFigureOut">
               <a:rPr lang="en-US" smtClean="0"/>
-              <a:t>8/8/2018</a:t>
+              <a:t>8/8/18</a:t>
             </a:fld>
             <a:endParaRPr lang="en-US"/>
           </a:p>
@@ -3392,7 +3761,7 @@
           <a:p>
             <a:fld id="{95F0EC3E-6664-4B53-8059-81336C2557A4}" type="datetimeFigureOut">
               <a:rPr lang="en-US" smtClean="0"/>
-              <a:t>8/8/2018</a:t>
+              <a:t>8/8/18</a:t>
             </a:fld>
             <a:endParaRPr lang="en-US"/>
           </a:p>
@@ -3633,7 +4002,7 @@
           <a:p>
             <a:fld id="{95F0EC3E-6664-4B53-8059-81336C2557A4}" type="datetimeFigureOut">
               <a:rPr lang="en-US" smtClean="0"/>
-              <a:t>8/8/2018</a:t>
+              <a:t>8/8/18</a:t>
             </a:fld>
             <a:endParaRPr lang="en-US"/>
           </a:p>
@@ -4076,7 +4445,7 @@
         </p:nvSpPr>
         <p:spPr>
           <a:xfrm>
-            <a:off x="1524000" y="2245809"/>
+            <a:off x="1047136" y="382071"/>
             <a:ext cx="9144000" cy="1564716"/>
           </a:xfrm>
         </p:spPr>
@@ -4088,435 +4457,47 @@
           <a:p>
             <a:r>
               <a:rPr lang="en-US" sz="4800" b="1" dirty="0"/>
-              <a:t>A Gentle Introduction to Python</a:t>
-            </a:r>
-          </a:p>
-        </p:txBody>
-      </p:sp>
-      <p:sp>
-        <p:nvSpPr>
-          <p:cNvPr id="3" name="Subtitle 2">
-            <a:extLst>
-              <a:ext uri="{FF2B5EF4-FFF2-40B4-BE49-F238E27FC236}">
-                <a16:creationId xmlns:a16="http://schemas.microsoft.com/office/drawing/2014/main" id="{3B8A116A-4768-4F21-A3C5-D46DD89983A9}"/>
-              </a:ext>
-            </a:extLst>
-          </p:cNvPr>
-          <p:cNvSpPr>
-            <a:spLocks noGrp="1"/>
-          </p:cNvSpPr>
-          <p:nvPr>
-            <p:ph type="subTitle" idx="1"/>
-          </p:nvPr>
-        </p:nvSpPr>
+              <a:t>Introduction to Python</a:t>
+            </a:r>
+          </a:p>
+        </p:txBody>
+      </p:sp>
+      <p:pic>
+        <p:nvPicPr>
+          <p:cNvPr id="5" name="Picture 4">
+            <a:extLst>
+              <a:ext uri="{FF2B5EF4-FFF2-40B4-BE49-F238E27FC236}">
+                <a16:creationId xmlns:a16="http://schemas.microsoft.com/office/drawing/2014/main" id="{D4D79698-7099-7144-9960-BCF695B93399}"/>
+              </a:ext>
+            </a:extLst>
+          </p:cNvPr>
+          <p:cNvPicPr>
+            <a:picLocks noChangeAspect="1"/>
+          </p:cNvPicPr>
+          <p:nvPr/>
+        </p:nvPicPr>
+        <p:blipFill>
+          <a:blip r:embed="rId2"/>
+          <a:stretch>
+            <a:fillRect/>
+          </a:stretch>
+        </p:blipFill>
         <p:spPr>
           <a:xfrm>
-            <a:off x="1606062" y="4146342"/>
-            <a:ext cx="9144000" cy="572583"/>
+            <a:off x="3809386" y="1946787"/>
+            <a:ext cx="3619500" cy="3619500"/>
           </a:xfrm>
+          <a:prstGeom prst="rect">
+            <a:avLst/>
+          </a:prstGeom>
         </p:spPr>
-        <p:txBody>
-          <a:bodyPr>
-            <a:normAutofit/>
-          </a:bodyPr>
-          <a:lstStyle/>
-          <a:p>
-            <a:pPr algn="l"/>
-            <a:endParaRPr lang="en-US" sz="2000" dirty="0"/>
-          </a:p>
-        </p:txBody>
-      </p:sp>
+      </p:pic>
     </p:spTree>
     <p:extLst>
       <p:ext uri="{BB962C8B-B14F-4D97-AF65-F5344CB8AC3E}">
         <p14:creationId xmlns:p14="http://schemas.microsoft.com/office/powerpoint/2010/main" val="3460707614"/>
       </p:ext>
     </p:extLst>
-  </p:cSld>
-  <p:clrMapOvr>
-    <a:masterClrMapping/>
-  </p:clrMapOvr>
-</p:sld>
-</file>
-
-<file path=ppt/slides/slide10.xml><?xml version="1.0" encoding="utf-8"?>
-<p:sld xmlns:a="http://schemas.openxmlformats.org/drawingml/2006/main" xmlns:r="http://schemas.openxmlformats.org/officeDocument/2006/relationships" xmlns:p="http://schemas.openxmlformats.org/presentationml/2006/main">
-  <p:cSld>
-    <p:spTree>
-      <p:nvGrpSpPr>
-        <p:cNvPr id="1" name=""/>
-        <p:cNvGrpSpPr/>
-        <p:nvPr/>
-      </p:nvGrpSpPr>
-      <p:grpSpPr>
-        <a:xfrm>
-          <a:off x="0" y="0"/>
-          <a:ext cx="0" cy="0"/>
-          <a:chOff x="0" y="0"/>
-          <a:chExt cx="0" cy="0"/>
-        </a:xfrm>
-      </p:grpSpPr>
-      <p:sp>
-        <p:nvSpPr>
-          <p:cNvPr id="5" name="Footer Placeholder 4">
-            <a:extLst>
-              <a:ext uri="{FF2B5EF4-FFF2-40B4-BE49-F238E27FC236}">
-                <a16:creationId xmlns:a16="http://schemas.microsoft.com/office/drawing/2014/main" id="{9F8036B5-D013-4508-9A62-80906328B4D0}"/>
-              </a:ext>
-            </a:extLst>
-          </p:cNvPr>
-          <p:cNvSpPr>
-            <a:spLocks noGrp="1"/>
-          </p:cNvSpPr>
-          <p:nvPr>
-            <p:ph type="ftr" sz="quarter" idx="11"/>
-          </p:nvPr>
-        </p:nvSpPr>
-        <p:spPr/>
-        <p:txBody>
-          <a:bodyPr/>
-          <a:lstStyle/>
-          <a:p>
-            <a:r>
-              <a:rPr lang="en-US" altLang="en-US"/>
-              <a:t>Based on presentation from www.cis.upenn.edu/~cse391/cse391_2004/PythonIntro1.ppt </a:t>
-            </a:r>
-          </a:p>
-        </p:txBody>
-      </p:sp>
-      <p:sp>
-        <p:nvSpPr>
-          <p:cNvPr id="173058" name="Rectangle 2">
-            <a:extLst>
-              <a:ext uri="{FF2B5EF4-FFF2-40B4-BE49-F238E27FC236}">
-                <a16:creationId xmlns:a16="http://schemas.microsoft.com/office/drawing/2014/main" id="{290D2E9D-546D-46C8-A5E1-6DBC9FA08368}"/>
-              </a:ext>
-            </a:extLst>
-          </p:cNvPr>
-          <p:cNvSpPr>
-            <a:spLocks noGrp="1" noChangeArrowheads="1"/>
-          </p:cNvSpPr>
-          <p:nvPr>
-            <p:ph type="title"/>
-          </p:nvPr>
-        </p:nvSpPr>
-        <p:spPr/>
-        <p:txBody>
-          <a:bodyPr/>
-          <a:lstStyle/>
-          <a:p>
-            <a:r>
-              <a:rPr lang="en-US" altLang="en-US" b="1" dirty="0"/>
-              <a:t>Look at a sample of code…</a:t>
-            </a:r>
-          </a:p>
-        </p:txBody>
-      </p:sp>
-      <p:sp>
-        <p:nvSpPr>
-          <p:cNvPr id="173059" name="Rectangle 3">
-            <a:extLst>
-              <a:ext uri="{FF2B5EF4-FFF2-40B4-BE49-F238E27FC236}">
-                <a16:creationId xmlns:a16="http://schemas.microsoft.com/office/drawing/2014/main" id="{4289CBF8-CDE6-4570-B676-A4D6429B2855}"/>
-              </a:ext>
-            </a:extLst>
-          </p:cNvPr>
-          <p:cNvSpPr>
-            <a:spLocks noGrp="1" noChangeArrowheads="1"/>
-          </p:cNvSpPr>
-          <p:nvPr>
-            <p:ph type="body" idx="1"/>
-          </p:nvPr>
-        </p:nvSpPr>
-        <p:spPr/>
-        <p:txBody>
-          <a:bodyPr/>
-          <a:lstStyle/>
-          <a:p>
-            <a:pPr>
-              <a:buFontTx/>
-              <a:buNone/>
-            </a:pPr>
-            <a:r>
-              <a:rPr lang="en-US" altLang="en-US" sz="2400" b="1" dirty="0">
-                <a:latin typeface="Courier New" panose="02070309020205020404" pitchFamily="49" charset="0"/>
-              </a:rPr>
-              <a:t> x = 34 - 23            </a:t>
-            </a:r>
-            <a:r>
-              <a:rPr lang="en-US" altLang="en-US" sz="2400" b="1" dirty="0">
-                <a:solidFill>
-                  <a:srgbClr val="FF3300"/>
-                </a:solidFill>
-                <a:latin typeface="Courier New" panose="02070309020205020404" pitchFamily="49" charset="0"/>
-              </a:rPr>
-              <a:t># A comment.</a:t>
-            </a:r>
-          </a:p>
-          <a:p>
-            <a:pPr>
-              <a:buFontTx/>
-              <a:buNone/>
-            </a:pPr>
-            <a:r>
-              <a:rPr lang="en-US" altLang="en-US" sz="2400" b="1" dirty="0">
-                <a:latin typeface="Courier New" panose="02070309020205020404" pitchFamily="49" charset="0"/>
-              </a:rPr>
-              <a:t> y = </a:t>
-            </a:r>
-            <a:r>
-              <a:rPr lang="en-US" altLang="en-US" sz="2400" b="1" dirty="0">
-                <a:solidFill>
-                  <a:srgbClr val="008000"/>
-                </a:solidFill>
-                <a:latin typeface="Courier New" panose="02070309020205020404" pitchFamily="49" charset="0"/>
-              </a:rPr>
-              <a:t>“Hello”</a:t>
-            </a:r>
-            <a:r>
-              <a:rPr lang="en-US" altLang="en-US" sz="2400" b="1" dirty="0">
-                <a:latin typeface="Courier New" panose="02070309020205020404" pitchFamily="49" charset="0"/>
-              </a:rPr>
-              <a:t>            </a:t>
-            </a:r>
-            <a:r>
-              <a:rPr lang="en-US" altLang="en-US" sz="2400" b="1" dirty="0">
-                <a:solidFill>
-                  <a:srgbClr val="FF3300"/>
-                </a:solidFill>
-                <a:latin typeface="Courier New" panose="02070309020205020404" pitchFamily="49" charset="0"/>
-              </a:rPr>
-              <a:t># Another one.</a:t>
-            </a:r>
-          </a:p>
-          <a:p>
-            <a:pPr>
-              <a:buFontTx/>
-              <a:buNone/>
-            </a:pPr>
-            <a:r>
-              <a:rPr lang="en-US" altLang="en-US" sz="2400" b="1" dirty="0">
-                <a:latin typeface="Courier New" panose="02070309020205020404" pitchFamily="49" charset="0"/>
-              </a:rPr>
-              <a:t> z = 3.45    </a:t>
-            </a:r>
-          </a:p>
-          <a:p>
-            <a:pPr>
-              <a:buFontTx/>
-              <a:buNone/>
-            </a:pPr>
-            <a:r>
-              <a:rPr lang="en-US" altLang="en-US" sz="2400" b="1" dirty="0">
-                <a:latin typeface="Courier New" panose="02070309020205020404" pitchFamily="49" charset="0"/>
-              </a:rPr>
-              <a:t> </a:t>
-            </a:r>
-            <a:r>
-              <a:rPr lang="en-US" altLang="en-US" sz="2400" b="1" dirty="0">
-                <a:solidFill>
-                  <a:srgbClr val="FF6600"/>
-                </a:solidFill>
-                <a:latin typeface="Courier New" panose="02070309020205020404" pitchFamily="49" charset="0"/>
-              </a:rPr>
-              <a:t>if</a:t>
-            </a:r>
-            <a:r>
-              <a:rPr lang="en-US" altLang="en-US" sz="2400" b="1" dirty="0">
-                <a:latin typeface="Courier New" panose="02070309020205020404" pitchFamily="49" charset="0"/>
-              </a:rPr>
-              <a:t> z == 3.45 </a:t>
-            </a:r>
-            <a:r>
-              <a:rPr lang="en-US" altLang="en-US" sz="2400" b="1" dirty="0">
-                <a:solidFill>
-                  <a:srgbClr val="FF6600"/>
-                </a:solidFill>
-                <a:latin typeface="Courier New" panose="02070309020205020404" pitchFamily="49" charset="0"/>
-              </a:rPr>
-              <a:t>or</a:t>
-            </a:r>
-            <a:r>
-              <a:rPr lang="en-US" altLang="en-US" sz="2400" b="1" dirty="0">
-                <a:latin typeface="Courier New" panose="02070309020205020404" pitchFamily="49" charset="0"/>
-              </a:rPr>
-              <a:t> y == </a:t>
-            </a:r>
-            <a:r>
-              <a:rPr lang="en-US" altLang="en-US" sz="2400" b="1" dirty="0">
-                <a:solidFill>
-                  <a:srgbClr val="008000"/>
-                </a:solidFill>
-                <a:latin typeface="Courier New" panose="02070309020205020404" pitchFamily="49" charset="0"/>
-              </a:rPr>
-              <a:t>“Hello”</a:t>
-            </a:r>
-            <a:r>
-              <a:rPr lang="en-US" altLang="en-US" sz="2400" b="1" dirty="0">
-                <a:latin typeface="Courier New" panose="02070309020205020404" pitchFamily="49" charset="0"/>
-              </a:rPr>
-              <a:t>:</a:t>
-            </a:r>
-          </a:p>
-          <a:p>
-            <a:pPr>
-              <a:buFontTx/>
-              <a:buNone/>
-            </a:pPr>
-            <a:r>
-              <a:rPr lang="en-US" altLang="en-US" sz="2400" b="1" dirty="0">
-                <a:latin typeface="Courier New" panose="02070309020205020404" pitchFamily="49" charset="0"/>
-              </a:rPr>
-              <a:t>     x = x + 1</a:t>
-            </a:r>
-          </a:p>
-          <a:p>
-            <a:pPr>
-              <a:buFontTx/>
-              <a:buNone/>
-            </a:pPr>
-            <a:r>
-              <a:rPr lang="en-US" altLang="en-US" sz="2400" b="1" dirty="0">
-                <a:latin typeface="Courier New" panose="02070309020205020404" pitchFamily="49" charset="0"/>
-              </a:rPr>
-              <a:t>     y = y + </a:t>
-            </a:r>
-            <a:r>
-              <a:rPr lang="en-US" altLang="en-US" sz="2400" b="1" dirty="0">
-                <a:solidFill>
-                  <a:srgbClr val="008000"/>
-                </a:solidFill>
-                <a:latin typeface="Courier New" panose="02070309020205020404" pitchFamily="49" charset="0"/>
-              </a:rPr>
-              <a:t>“ World”</a:t>
-            </a:r>
-            <a:r>
-              <a:rPr lang="en-US" altLang="en-US" sz="2400" b="1" dirty="0">
-                <a:latin typeface="Courier New" panose="02070309020205020404" pitchFamily="49" charset="0"/>
-              </a:rPr>
-              <a:t>   </a:t>
-            </a:r>
-            <a:r>
-              <a:rPr lang="en-US" altLang="en-US" sz="2400" b="1" dirty="0">
-                <a:solidFill>
-                  <a:srgbClr val="FF3300"/>
-                </a:solidFill>
-                <a:latin typeface="Courier New" panose="02070309020205020404" pitchFamily="49" charset="0"/>
-              </a:rPr>
-              <a:t># String </a:t>
-            </a:r>
-            <a:r>
-              <a:rPr lang="en-US" altLang="en-US" sz="2400" b="1" dirty="0" err="1">
-                <a:solidFill>
-                  <a:srgbClr val="FF3300"/>
-                </a:solidFill>
-                <a:latin typeface="Courier New" panose="02070309020205020404" pitchFamily="49" charset="0"/>
-              </a:rPr>
-              <a:t>concat</a:t>
-            </a:r>
-            <a:r>
-              <a:rPr lang="en-US" altLang="en-US" sz="2400" b="1" dirty="0">
-                <a:solidFill>
-                  <a:srgbClr val="FF3300"/>
-                </a:solidFill>
-                <a:latin typeface="Courier New" panose="02070309020205020404" pitchFamily="49" charset="0"/>
-              </a:rPr>
-              <a:t>.</a:t>
-            </a:r>
-          </a:p>
-          <a:p>
-            <a:pPr>
-              <a:buFontTx/>
-              <a:buNone/>
-            </a:pPr>
-            <a:r>
-              <a:rPr lang="en-US" altLang="en-US" sz="2400" b="1" dirty="0">
-                <a:latin typeface="Courier New" panose="02070309020205020404" pitchFamily="49" charset="0"/>
-              </a:rPr>
-              <a:t> </a:t>
-            </a:r>
-            <a:r>
-              <a:rPr lang="en-US" altLang="en-US" sz="2400" b="1" dirty="0">
-                <a:solidFill>
-                  <a:srgbClr val="FF6600"/>
-                </a:solidFill>
-                <a:latin typeface="Courier New" panose="02070309020205020404" pitchFamily="49" charset="0"/>
-              </a:rPr>
-              <a:t>print(</a:t>
-            </a:r>
-            <a:r>
-              <a:rPr lang="en-US" altLang="en-US" sz="2400" b="1" dirty="0">
-                <a:solidFill>
-                  <a:schemeClr val="tx1">
-                    <a:lumMod val="95000"/>
-                    <a:lumOff val="5000"/>
-                  </a:schemeClr>
-                </a:solidFill>
-                <a:latin typeface="Courier New" panose="02070309020205020404" pitchFamily="49" charset="0"/>
-              </a:rPr>
-              <a:t>x</a:t>
-            </a:r>
-            <a:r>
-              <a:rPr lang="en-US" altLang="en-US" sz="2400" b="1" dirty="0">
-                <a:solidFill>
-                  <a:srgbClr val="FF6600"/>
-                </a:solidFill>
-                <a:latin typeface="Courier New" panose="02070309020205020404" pitchFamily="49" charset="0"/>
-              </a:rPr>
-              <a:t>)</a:t>
-            </a:r>
-            <a:endParaRPr lang="en-US" altLang="en-US" sz="2400" b="1" dirty="0">
-              <a:latin typeface="Courier New" panose="02070309020205020404" pitchFamily="49" charset="0"/>
-            </a:endParaRPr>
-          </a:p>
-          <a:p>
-            <a:pPr>
-              <a:buFontTx/>
-              <a:buNone/>
-            </a:pPr>
-            <a:r>
-              <a:rPr lang="en-US" altLang="en-US" sz="2400" b="1" dirty="0">
-                <a:latin typeface="Courier New" panose="02070309020205020404" pitchFamily="49" charset="0"/>
-              </a:rPr>
-              <a:t> </a:t>
-            </a:r>
-            <a:r>
-              <a:rPr lang="en-US" altLang="en-US" sz="2400" b="1" dirty="0">
-                <a:solidFill>
-                  <a:srgbClr val="FF6600"/>
-                </a:solidFill>
-                <a:latin typeface="Courier New" panose="02070309020205020404" pitchFamily="49" charset="0"/>
-              </a:rPr>
-              <a:t>print(</a:t>
-            </a:r>
-            <a:r>
-              <a:rPr lang="en-US" altLang="en-US" sz="2400" b="1" dirty="0">
-                <a:solidFill>
-                  <a:schemeClr val="tx1">
-                    <a:lumMod val="95000"/>
-                    <a:lumOff val="5000"/>
-                  </a:schemeClr>
-                </a:solidFill>
-                <a:latin typeface="Courier New" panose="02070309020205020404" pitchFamily="49" charset="0"/>
-              </a:rPr>
-              <a:t>y</a:t>
-            </a:r>
-            <a:r>
-              <a:rPr lang="en-US" altLang="en-US" sz="2400" b="1" dirty="0">
-                <a:solidFill>
-                  <a:srgbClr val="FF6600"/>
-                </a:solidFill>
-                <a:latin typeface="Courier New" panose="02070309020205020404" pitchFamily="49" charset="0"/>
-              </a:rPr>
-              <a:t>)</a:t>
-            </a:r>
-            <a:endParaRPr lang="en-US" altLang="en-US" sz="2400" b="1" dirty="0">
-              <a:latin typeface="Courier New" panose="02070309020205020404" pitchFamily="49" charset="0"/>
-            </a:endParaRPr>
-          </a:p>
-        </p:txBody>
-      </p:sp>
-    </p:spTree>
   </p:cSld>
   <p:clrMapOvr>
     <a:masterClrMapping/>
@@ -4622,12 +4603,6 @@
             <a:r>
               <a:rPr lang="en-US" dirty="0"/>
               <a:t>, NLTK etc.)</a:t>
-            </a:r>
-          </a:p>
-          <a:p>
-            <a:r>
-              <a:rPr lang="en-US" altLang="en-US" dirty="0"/>
-              <a:t>Python has strong numeric processing capabilities: matrix operations, etc.</a:t>
             </a:r>
           </a:p>
           <a:p>
@@ -4682,6 +4657,94 @@
           <p:cNvPr id="2" name="Title 1">
             <a:extLst>
               <a:ext uri="{FF2B5EF4-FFF2-40B4-BE49-F238E27FC236}">
+                <a16:creationId xmlns:a16="http://schemas.microsoft.com/office/drawing/2014/main" id="{B6173B0F-84C2-4842-A0B9-333A1514A7AB}"/>
+              </a:ext>
+            </a:extLst>
+          </p:cNvPr>
+          <p:cNvSpPr>
+            <a:spLocks noGrp="1"/>
+          </p:cNvSpPr>
+          <p:nvPr>
+            <p:ph type="title"/>
+          </p:nvPr>
+        </p:nvSpPr>
+        <p:spPr/>
+        <p:txBody>
+          <a:bodyPr/>
+          <a:lstStyle/>
+          <a:p>
+            <a:pPr algn="ctr"/>
+            <a:r>
+              <a:rPr lang="en-US" b="1" dirty="0"/>
+              <a:t>Who Uses Python?</a:t>
+            </a:r>
+          </a:p>
+        </p:txBody>
+      </p:sp>
+      <p:pic>
+        <p:nvPicPr>
+          <p:cNvPr id="6" name="Picture 5">
+            <a:extLst>
+              <a:ext uri="{FF2B5EF4-FFF2-40B4-BE49-F238E27FC236}">
+                <a16:creationId xmlns:a16="http://schemas.microsoft.com/office/drawing/2014/main" id="{2657EF67-52A0-0A4B-B450-9EE37617BAC0}"/>
+              </a:ext>
+            </a:extLst>
+          </p:cNvPr>
+          <p:cNvPicPr>
+            <a:picLocks noChangeAspect="1"/>
+          </p:cNvPicPr>
+          <p:nvPr/>
+        </p:nvPicPr>
+        <p:blipFill rotWithShape="1">
+          <a:blip r:embed="rId3"/>
+          <a:srcRect t="21396" r="-284"/>
+          <a:stretch/>
+        </p:blipFill>
+        <p:spPr>
+          <a:xfrm>
+            <a:off x="1374014" y="1533832"/>
+            <a:ext cx="9443972" cy="4168417"/>
+          </a:xfrm>
+          <a:prstGeom prst="rect">
+            <a:avLst/>
+          </a:prstGeom>
+        </p:spPr>
+      </p:pic>
+    </p:spTree>
+    <p:extLst>
+      <p:ext uri="{BB962C8B-B14F-4D97-AF65-F5344CB8AC3E}">
+        <p14:creationId xmlns:p14="http://schemas.microsoft.com/office/powerpoint/2010/main" val="151308551"/>
+      </p:ext>
+    </p:extLst>
+  </p:cSld>
+  <p:clrMapOvr>
+    <a:masterClrMapping/>
+  </p:clrMapOvr>
+</p:sld>
+</file>
+
+<file path=ppt/slides/slide4.xml><?xml version="1.0" encoding="utf-8"?>
+<p:sld xmlns:a="http://schemas.openxmlformats.org/drawingml/2006/main" xmlns:r="http://schemas.openxmlformats.org/officeDocument/2006/relationships" xmlns:p="http://schemas.openxmlformats.org/presentationml/2006/main">
+  <p:cSld>
+    <p:spTree>
+      <p:nvGrpSpPr>
+        <p:cNvPr id="1" name=""/>
+        <p:cNvGrpSpPr/>
+        <p:nvPr/>
+      </p:nvGrpSpPr>
+      <p:grpSpPr>
+        <a:xfrm>
+          <a:off x="0" y="0"/>
+          <a:ext cx="0" cy="0"/>
+          <a:chOff x="0" y="0"/>
+          <a:chExt cx="0" cy="0"/>
+        </a:xfrm>
+      </p:grpSpPr>
+      <p:sp>
+        <p:nvSpPr>
+          <p:cNvPr id="2" name="Title 1">
+            <a:extLst>
+              <a:ext uri="{FF2B5EF4-FFF2-40B4-BE49-F238E27FC236}">
                 <a16:creationId xmlns:a16="http://schemas.microsoft.com/office/drawing/2014/main" id="{F3B68771-0010-4672-98E0-03F245E96472}"/>
               </a:ext>
             </a:extLst>
@@ -4765,6 +4828,12 @@
             <a:r>
               <a:rPr lang="en-US" dirty="0"/>
               <a:t> Notebook (Interactive Python Notebook)</a:t>
+            </a:r>
+          </a:p>
+          <a:p>
+            <a:r>
+              <a:rPr lang="en-US" dirty="0"/>
+              <a:t>Need Help installing python “Let one of us know”</a:t>
             </a:r>
           </a:p>
         </p:txBody>
@@ -4782,7 +4851,7 @@
 </p:sld>
 </file>
 
-<file path=ppt/slides/slide4.xml><?xml version="1.0" encoding="utf-8"?>
+<file path=ppt/slides/slide5.xml><?xml version="1.0" encoding="utf-8"?>
 <p:sld xmlns:a="http://schemas.openxmlformats.org/drawingml/2006/main" xmlns:r="http://schemas.openxmlformats.org/officeDocument/2006/relationships" xmlns:p="http://schemas.openxmlformats.org/presentationml/2006/main">
   <p:cSld>
     <p:spTree>
@@ -5470,127 +5539,6 @@
 </p:sld>
 </file>
 
-<file path=ppt/slides/slide5.xml><?xml version="1.0" encoding="utf-8"?>
-<p:sld xmlns:a="http://schemas.openxmlformats.org/drawingml/2006/main" xmlns:r="http://schemas.openxmlformats.org/officeDocument/2006/relationships" xmlns:p="http://schemas.openxmlformats.org/presentationml/2006/main">
-  <p:cSld>
-    <p:spTree>
-      <p:nvGrpSpPr>
-        <p:cNvPr id="1" name=""/>
-        <p:cNvGrpSpPr/>
-        <p:nvPr/>
-      </p:nvGrpSpPr>
-      <p:grpSpPr>
-        <a:xfrm>
-          <a:off x="0" y="0"/>
-          <a:ext cx="0" cy="0"/>
-          <a:chOff x="0" y="0"/>
-          <a:chExt cx="0" cy="0"/>
-        </a:xfrm>
-      </p:grpSpPr>
-      <p:sp>
-        <p:nvSpPr>
-          <p:cNvPr id="2" name="Title 1">
-            <a:extLst>
-              <a:ext uri="{FF2B5EF4-FFF2-40B4-BE49-F238E27FC236}">
-                <a16:creationId xmlns:a16="http://schemas.microsoft.com/office/drawing/2014/main" id="{CA604AD1-8BFE-47A9-AF2B-D25B05435D7C}"/>
-              </a:ext>
-            </a:extLst>
-          </p:cNvPr>
-          <p:cNvSpPr>
-            <a:spLocks noGrp="1"/>
-          </p:cNvSpPr>
-          <p:nvPr>
-            <p:ph type="title"/>
-          </p:nvPr>
-        </p:nvSpPr>
-        <p:spPr/>
-        <p:txBody>
-          <a:bodyPr/>
-          <a:lstStyle/>
-          <a:p>
-            <a:r>
-              <a:rPr lang="en-US" b="1" dirty="0"/>
-              <a:t>Hands-on Agenda..</a:t>
-            </a:r>
-          </a:p>
-        </p:txBody>
-      </p:sp>
-      <p:sp>
-        <p:nvSpPr>
-          <p:cNvPr id="3" name="Content Placeholder 2">
-            <a:extLst>
-              <a:ext uri="{FF2B5EF4-FFF2-40B4-BE49-F238E27FC236}">
-                <a16:creationId xmlns:a16="http://schemas.microsoft.com/office/drawing/2014/main" id="{26FC695D-A219-462A-874C-94B216017795}"/>
-              </a:ext>
-            </a:extLst>
-          </p:cNvPr>
-          <p:cNvSpPr>
-            <a:spLocks noGrp="1"/>
-          </p:cNvSpPr>
-          <p:nvPr>
-            <p:ph idx="1"/>
-          </p:nvPr>
-        </p:nvSpPr>
-        <p:spPr/>
-        <p:txBody>
-          <a:bodyPr/>
-          <a:lstStyle/>
-          <a:p>
-            <a:r>
-              <a:rPr lang="en-US" dirty="0"/>
-              <a:t>Variable, Strings and Numbers</a:t>
-            </a:r>
-          </a:p>
-          <a:p>
-            <a:r>
-              <a:rPr lang="en-US" dirty="0"/>
-              <a:t>List, Tuples and Sets</a:t>
-            </a:r>
-          </a:p>
-          <a:p>
-            <a:r>
-              <a:rPr lang="en-US" dirty="0"/>
-              <a:t>If Statements</a:t>
-            </a:r>
-          </a:p>
-          <a:p>
-            <a:r>
-              <a:rPr lang="en-US" dirty="0"/>
-              <a:t>While Loops and User Inputs</a:t>
-            </a:r>
-          </a:p>
-          <a:p>
-            <a:r>
-              <a:rPr lang="en-US" dirty="0"/>
-              <a:t>Dictionaries</a:t>
-            </a:r>
-          </a:p>
-          <a:p>
-            <a:r>
-              <a:rPr lang="en-US" dirty="0"/>
-              <a:t>Files </a:t>
-            </a:r>
-            <a:r>
-              <a:rPr lang="en-US" dirty="0" err="1"/>
-              <a:t>Input/Output</a:t>
-            </a:r>
-            <a:endParaRPr lang="en-US" dirty="0"/>
-          </a:p>
-        </p:txBody>
-      </p:sp>
-    </p:spTree>
-    <p:extLst>
-      <p:ext uri="{BB962C8B-B14F-4D97-AF65-F5344CB8AC3E}">
-        <p14:creationId xmlns:p14="http://schemas.microsoft.com/office/powerpoint/2010/main" val="1725333568"/>
-      </p:ext>
-    </p:extLst>
-  </p:cSld>
-  <p:clrMapOvr>
-    <a:masterClrMapping/>
-  </p:clrMapOvr>
-</p:sld>
-</file>
-
 <file path=ppt/slides/slide6.xml><?xml version="1.0" encoding="utf-8"?>
 <p:sld xmlns:a="http://schemas.openxmlformats.org/drawingml/2006/main" xmlns:r="http://schemas.openxmlformats.org/officeDocument/2006/relationships" xmlns:p="http://schemas.openxmlformats.org/presentationml/2006/main">
   <p:cSld>
@@ -5613,7 +5561,7 @@
           <p:cNvPr id="2" name="Title 1">
             <a:extLst>
               <a:ext uri="{FF2B5EF4-FFF2-40B4-BE49-F238E27FC236}">
-                <a16:creationId xmlns:a16="http://schemas.microsoft.com/office/drawing/2014/main" id="{F3B68771-0010-4672-98E0-03F245E96472}"/>
+                <a16:creationId xmlns:a16="http://schemas.microsoft.com/office/drawing/2014/main" id="{CA604AD1-8BFE-47A9-AF2B-D25B05435D7C}"/>
               </a:ext>
             </a:extLst>
           </p:cNvPr>
@@ -5629,12 +5577,10 @@
           <a:bodyPr/>
           <a:lstStyle/>
           <a:p>
-            <a:pPr algn="ctr"/>
-            <a:r>
-              <a:rPr lang="en-US" altLang="en-US" b="1" dirty="0"/>
-              <a:t>Enough to Understand the Code</a:t>
-            </a:r>
-            <a:endParaRPr lang="en-US" b="1" dirty="0"/>
+            <a:r>
+              <a:rPr lang="en-US" b="1" dirty="0"/>
+              <a:t>Hands-on Agenda..</a:t>
+            </a:r>
           </a:p>
         </p:txBody>
       </p:sp>
@@ -5643,7 +5589,7 @@
           <p:cNvPr id="3" name="Content Placeholder 2">
             <a:extLst>
               <a:ext uri="{FF2B5EF4-FFF2-40B4-BE49-F238E27FC236}">
-                <a16:creationId xmlns:a16="http://schemas.microsoft.com/office/drawing/2014/main" id="{DD43E9AB-7CF8-4712-B658-E31543851047}"/>
+                <a16:creationId xmlns:a16="http://schemas.microsoft.com/office/drawing/2014/main" id="{26FC695D-A219-462A-874C-94B216017795}"/>
               </a:ext>
             </a:extLst>
           </p:cNvPr>
@@ -5654,3066 +5600,59 @@
             <p:ph idx="1"/>
           </p:nvPr>
         </p:nvSpPr>
-        <p:spPr>
-          <a:xfrm>
-            <a:off x="1043354" y="1690688"/>
-            <a:ext cx="10310446" cy="4486275"/>
-          </a:xfrm>
-        </p:spPr>
-        <p:txBody>
-          <a:bodyPr>
-            <a:normAutofit/>
-          </a:bodyPr>
-          <a:lstStyle/>
-          <a:p>
-            <a:r>
-              <a:rPr lang="en-US" altLang="en-US" dirty="0"/>
-              <a:t>Assignment uses = and comparison uses ==.</a:t>
-            </a:r>
-          </a:p>
-          <a:p>
-            <a:r>
-              <a:rPr lang="en-US" altLang="en-US" dirty="0"/>
-              <a:t>For numbers +-*/% are as expected.</a:t>
-            </a:r>
-          </a:p>
-          <a:p>
-            <a:pPr lvl="1"/>
-            <a:r>
-              <a:rPr lang="en-US" altLang="en-US" dirty="0"/>
-              <a:t>Special use of + for string concatenation.</a:t>
-            </a:r>
-          </a:p>
-          <a:p>
-            <a:pPr lvl="1"/>
-            <a:r>
-              <a:rPr lang="en-US" altLang="en-US" dirty="0"/>
-              <a:t>Special use of % for string formatting.</a:t>
-            </a:r>
-          </a:p>
-          <a:p>
-            <a:r>
-              <a:rPr lang="en-US" altLang="en-US" dirty="0"/>
-              <a:t>Logical operators are words (</a:t>
-            </a:r>
-            <a:r>
-              <a:rPr lang="en-US" altLang="en-US" b="1" dirty="0">
-                <a:latin typeface="Courier New" panose="02070309020205020404" pitchFamily="49" charset="0"/>
-              </a:rPr>
-              <a:t>and, or, not</a:t>
-            </a:r>
-            <a:r>
-              <a:rPr lang="en-US" altLang="en-US" dirty="0"/>
-              <a:t>) </a:t>
-            </a:r>
-            <a:br>
-              <a:rPr lang="en-US" altLang="en-US" dirty="0"/>
-            </a:br>
-            <a:r>
-              <a:rPr lang="en-US" altLang="en-US" i="1" dirty="0"/>
-              <a:t>not symbols (&amp;&amp;, ||, !).</a:t>
-            </a:r>
-          </a:p>
-          <a:p>
-            <a:r>
-              <a:rPr lang="en-US" altLang="en-US" dirty="0"/>
-              <a:t>The basic printing command is “print()”</a:t>
-            </a:r>
-          </a:p>
-          <a:p>
-            <a:r>
-              <a:rPr lang="en-US" altLang="en-US" dirty="0"/>
-              <a:t>First assignment to a variable will create it.</a:t>
-            </a:r>
-          </a:p>
-          <a:p>
-            <a:pPr lvl="1"/>
-            <a:r>
-              <a:rPr lang="en-US" altLang="en-US" dirty="0"/>
-              <a:t>Variable types don’t need to be declared.</a:t>
-            </a:r>
-          </a:p>
-          <a:p>
-            <a:pPr lvl="1"/>
-            <a:r>
-              <a:rPr lang="en-US" altLang="en-US" dirty="0"/>
-              <a:t>Python figures out the variable types on its own.  </a:t>
-            </a:r>
+        <p:spPr/>
+        <p:txBody>
+          <a:bodyPr/>
+          <a:lstStyle/>
+          <a:p>
+            <a:r>
+              <a:rPr lang="en-US" dirty="0"/>
+              <a:t>Variable, Strings and Numbers</a:t>
+            </a:r>
+          </a:p>
+          <a:p>
+            <a:r>
+              <a:rPr lang="en-US" dirty="0"/>
+              <a:t>For Loops,  List, Tuples and Sets</a:t>
+            </a:r>
+          </a:p>
+          <a:p>
+            <a:r>
+              <a:rPr lang="en-US" dirty="0"/>
+              <a:t>If Statements</a:t>
+            </a:r>
+          </a:p>
+          <a:p>
+            <a:r>
+              <a:rPr lang="en-US" dirty="0"/>
+              <a:t>While Loops and User Inputs</a:t>
+            </a:r>
+          </a:p>
+          <a:p>
+            <a:r>
+              <a:rPr lang="en-US" dirty="0"/>
+              <a:t>Dictionaries</a:t>
+            </a:r>
+          </a:p>
+          <a:p>
+            <a:r>
+              <a:rPr lang="en-US" dirty="0"/>
+              <a:t>Files </a:t>
+            </a:r>
+            <a:r>
+              <a:rPr lang="en-US" dirty="0" err="1"/>
+              <a:t>Input/Output</a:t>
+            </a:r>
+            <a:endParaRPr lang="en-US" dirty="0"/>
           </a:p>
         </p:txBody>
       </p:sp>
     </p:spTree>
     <p:extLst>
       <p:ext uri="{BB962C8B-B14F-4D97-AF65-F5344CB8AC3E}">
-        <p14:creationId xmlns:p14="http://schemas.microsoft.com/office/powerpoint/2010/main" val="2925445722"/>
+        <p14:creationId xmlns:p14="http://schemas.microsoft.com/office/powerpoint/2010/main" val="1725333568"/>
       </p:ext>
     </p:extLst>
-  </p:cSld>
-  <p:clrMapOvr>
-    <a:masterClrMapping/>
-  </p:clrMapOvr>
-  <p:timing>
-    <p:tnLst>
-      <p:par>
-        <p:cTn id="1" dur="indefinite" restart="never" nodeType="tmRoot">
-          <p:childTnLst>
-            <p:seq concurrent="1" nextAc="seek">
-              <p:cTn id="2" dur="indefinite" nodeType="mainSeq">
-                <p:childTnLst>
-                  <p:par>
-                    <p:cTn id="3" fill="hold">
-                      <p:stCondLst>
-                        <p:cond delay="indefinite"/>
-                      </p:stCondLst>
-                      <p:childTnLst>
-                        <p:par>
-                          <p:cTn id="4" fill="hold">
-                            <p:stCondLst>
-                              <p:cond delay="0"/>
-                            </p:stCondLst>
-                            <p:childTnLst>
-                              <p:par>
-                                <p:cTn id="5" presetID="42" presetClass="entr" presetSubtype="0" fill="hold" grpId="0" nodeType="clickEffect">
-                                  <p:stCondLst>
-                                    <p:cond delay="0"/>
-                                  </p:stCondLst>
-                                  <p:childTnLst>
-                                    <p:set>
-                                      <p:cBhvr>
-                                        <p:cTn id="6" dur="1" fill="hold">
-                                          <p:stCondLst>
-                                            <p:cond delay="0"/>
-                                          </p:stCondLst>
-                                        </p:cTn>
-                                        <p:tgtEl>
-                                          <p:spTgt spid="3">
-                                            <p:txEl>
-                                              <p:pRg st="0" end="0"/>
-                                            </p:txEl>
-                                          </p:spTgt>
-                                        </p:tgtEl>
-                                        <p:attrNameLst>
-                                          <p:attrName>style.visibility</p:attrName>
-                                        </p:attrNameLst>
-                                      </p:cBhvr>
-                                      <p:to>
-                                        <p:strVal val="visible"/>
-                                      </p:to>
-                                    </p:set>
-                                    <p:animEffect transition="in" filter="fade">
-                                      <p:cBhvr>
-                                        <p:cTn id="7" dur="1000"/>
-                                        <p:tgtEl>
-                                          <p:spTgt spid="3">
-                                            <p:txEl>
-                                              <p:pRg st="0" end="0"/>
-                                            </p:txEl>
-                                          </p:spTgt>
-                                        </p:tgtEl>
-                                      </p:cBhvr>
-                                    </p:animEffect>
-                                    <p:anim calcmode="lin" valueType="num">
-                                      <p:cBhvr>
-                                        <p:cTn id="8" dur="1000" fill="hold"/>
-                                        <p:tgtEl>
-                                          <p:spTgt spid="3">
-                                            <p:txEl>
-                                              <p:pRg st="0" end="0"/>
-                                            </p:txEl>
-                                          </p:spTgt>
-                                        </p:tgtEl>
-                                        <p:attrNameLst>
-                                          <p:attrName>ppt_x</p:attrName>
-                                        </p:attrNameLst>
-                                      </p:cBhvr>
-                                      <p:tavLst>
-                                        <p:tav tm="0">
-                                          <p:val>
-                                            <p:strVal val="#ppt_x"/>
-                                          </p:val>
-                                        </p:tav>
-                                        <p:tav tm="100000">
-                                          <p:val>
-                                            <p:strVal val="#ppt_x"/>
-                                          </p:val>
-                                        </p:tav>
-                                      </p:tavLst>
-                                    </p:anim>
-                                    <p:anim calcmode="lin" valueType="num">
-                                      <p:cBhvr>
-                                        <p:cTn id="9" dur="1000" fill="hold"/>
-                                        <p:tgtEl>
-                                          <p:spTgt spid="3">
-                                            <p:txEl>
-                                              <p:pRg st="0" end="0"/>
-                                            </p:txEl>
-                                          </p:spTgt>
-                                        </p:tgtEl>
-                                        <p:attrNameLst>
-                                          <p:attrName>ppt_y</p:attrName>
-                                        </p:attrNameLst>
-                                      </p:cBhvr>
-                                      <p:tavLst>
-                                        <p:tav tm="0">
-                                          <p:val>
-                                            <p:strVal val="#ppt_y+.1"/>
-                                          </p:val>
-                                        </p:tav>
-                                        <p:tav tm="100000">
-                                          <p:val>
-                                            <p:strVal val="#ppt_y"/>
-                                          </p:val>
-                                        </p:tav>
-                                      </p:tavLst>
-                                    </p:anim>
-                                  </p:childTnLst>
-                                </p:cTn>
-                              </p:par>
-                            </p:childTnLst>
-                          </p:cTn>
-                        </p:par>
-                      </p:childTnLst>
-                    </p:cTn>
-                  </p:par>
-                  <p:par>
-                    <p:cTn id="10" fill="hold">
-                      <p:stCondLst>
-                        <p:cond delay="indefinite"/>
-                      </p:stCondLst>
-                      <p:childTnLst>
-                        <p:par>
-                          <p:cTn id="11" fill="hold">
-                            <p:stCondLst>
-                              <p:cond delay="0"/>
-                            </p:stCondLst>
-                            <p:childTnLst>
-                              <p:par>
-                                <p:cTn id="12" presetID="42" presetClass="entr" presetSubtype="0" fill="hold" grpId="0" nodeType="clickEffect">
-                                  <p:stCondLst>
-                                    <p:cond delay="0"/>
-                                  </p:stCondLst>
-                                  <p:childTnLst>
-                                    <p:set>
-                                      <p:cBhvr>
-                                        <p:cTn id="13" dur="1" fill="hold">
-                                          <p:stCondLst>
-                                            <p:cond delay="0"/>
-                                          </p:stCondLst>
-                                        </p:cTn>
-                                        <p:tgtEl>
-                                          <p:spTgt spid="3">
-                                            <p:txEl>
-                                              <p:pRg st="1" end="1"/>
-                                            </p:txEl>
-                                          </p:spTgt>
-                                        </p:tgtEl>
-                                        <p:attrNameLst>
-                                          <p:attrName>style.visibility</p:attrName>
-                                        </p:attrNameLst>
-                                      </p:cBhvr>
-                                      <p:to>
-                                        <p:strVal val="visible"/>
-                                      </p:to>
-                                    </p:set>
-                                    <p:animEffect transition="in" filter="fade">
-                                      <p:cBhvr>
-                                        <p:cTn id="14" dur="1000"/>
-                                        <p:tgtEl>
-                                          <p:spTgt spid="3">
-                                            <p:txEl>
-                                              <p:pRg st="1" end="1"/>
-                                            </p:txEl>
-                                          </p:spTgt>
-                                        </p:tgtEl>
-                                      </p:cBhvr>
-                                    </p:animEffect>
-                                    <p:anim calcmode="lin" valueType="num">
-                                      <p:cBhvr>
-                                        <p:cTn id="15" dur="1000" fill="hold"/>
-                                        <p:tgtEl>
-                                          <p:spTgt spid="3">
-                                            <p:txEl>
-                                              <p:pRg st="1" end="1"/>
-                                            </p:txEl>
-                                          </p:spTgt>
-                                        </p:tgtEl>
-                                        <p:attrNameLst>
-                                          <p:attrName>ppt_x</p:attrName>
-                                        </p:attrNameLst>
-                                      </p:cBhvr>
-                                      <p:tavLst>
-                                        <p:tav tm="0">
-                                          <p:val>
-                                            <p:strVal val="#ppt_x"/>
-                                          </p:val>
-                                        </p:tav>
-                                        <p:tav tm="100000">
-                                          <p:val>
-                                            <p:strVal val="#ppt_x"/>
-                                          </p:val>
-                                        </p:tav>
-                                      </p:tavLst>
-                                    </p:anim>
-                                    <p:anim calcmode="lin" valueType="num">
-                                      <p:cBhvr>
-                                        <p:cTn id="16" dur="1000" fill="hold"/>
-                                        <p:tgtEl>
-                                          <p:spTgt spid="3">
-                                            <p:txEl>
-                                              <p:pRg st="1" end="1"/>
-                                            </p:txEl>
-                                          </p:spTgt>
-                                        </p:tgtEl>
-                                        <p:attrNameLst>
-                                          <p:attrName>ppt_y</p:attrName>
-                                        </p:attrNameLst>
-                                      </p:cBhvr>
-                                      <p:tavLst>
-                                        <p:tav tm="0">
-                                          <p:val>
-                                            <p:strVal val="#ppt_y+.1"/>
-                                          </p:val>
-                                        </p:tav>
-                                        <p:tav tm="100000">
-                                          <p:val>
-                                            <p:strVal val="#ppt_y"/>
-                                          </p:val>
-                                        </p:tav>
-                                      </p:tavLst>
-                                    </p:anim>
-                                  </p:childTnLst>
-                                </p:cTn>
-                              </p:par>
-                              <p:par>
-                                <p:cTn id="17" presetID="42" presetClass="entr" presetSubtype="0" fill="hold" grpId="0" nodeType="withEffect">
-                                  <p:stCondLst>
-                                    <p:cond delay="0"/>
-                                  </p:stCondLst>
-                                  <p:childTnLst>
-                                    <p:set>
-                                      <p:cBhvr>
-                                        <p:cTn id="18" dur="1" fill="hold">
-                                          <p:stCondLst>
-                                            <p:cond delay="0"/>
-                                          </p:stCondLst>
-                                        </p:cTn>
-                                        <p:tgtEl>
-                                          <p:spTgt spid="3">
-                                            <p:txEl>
-                                              <p:pRg st="2" end="2"/>
-                                            </p:txEl>
-                                          </p:spTgt>
-                                        </p:tgtEl>
-                                        <p:attrNameLst>
-                                          <p:attrName>style.visibility</p:attrName>
-                                        </p:attrNameLst>
-                                      </p:cBhvr>
-                                      <p:to>
-                                        <p:strVal val="visible"/>
-                                      </p:to>
-                                    </p:set>
-                                    <p:animEffect transition="in" filter="fade">
-                                      <p:cBhvr>
-                                        <p:cTn id="19" dur="1000"/>
-                                        <p:tgtEl>
-                                          <p:spTgt spid="3">
-                                            <p:txEl>
-                                              <p:pRg st="2" end="2"/>
-                                            </p:txEl>
-                                          </p:spTgt>
-                                        </p:tgtEl>
-                                      </p:cBhvr>
-                                    </p:animEffect>
-                                    <p:anim calcmode="lin" valueType="num">
-                                      <p:cBhvr>
-                                        <p:cTn id="20" dur="1000" fill="hold"/>
-                                        <p:tgtEl>
-                                          <p:spTgt spid="3">
-                                            <p:txEl>
-                                              <p:pRg st="2" end="2"/>
-                                            </p:txEl>
-                                          </p:spTgt>
-                                        </p:tgtEl>
-                                        <p:attrNameLst>
-                                          <p:attrName>ppt_x</p:attrName>
-                                        </p:attrNameLst>
-                                      </p:cBhvr>
-                                      <p:tavLst>
-                                        <p:tav tm="0">
-                                          <p:val>
-                                            <p:strVal val="#ppt_x"/>
-                                          </p:val>
-                                        </p:tav>
-                                        <p:tav tm="100000">
-                                          <p:val>
-                                            <p:strVal val="#ppt_x"/>
-                                          </p:val>
-                                        </p:tav>
-                                      </p:tavLst>
-                                    </p:anim>
-                                    <p:anim calcmode="lin" valueType="num">
-                                      <p:cBhvr>
-                                        <p:cTn id="21" dur="1000" fill="hold"/>
-                                        <p:tgtEl>
-                                          <p:spTgt spid="3">
-                                            <p:txEl>
-                                              <p:pRg st="2" end="2"/>
-                                            </p:txEl>
-                                          </p:spTgt>
-                                        </p:tgtEl>
-                                        <p:attrNameLst>
-                                          <p:attrName>ppt_y</p:attrName>
-                                        </p:attrNameLst>
-                                      </p:cBhvr>
-                                      <p:tavLst>
-                                        <p:tav tm="0">
-                                          <p:val>
-                                            <p:strVal val="#ppt_y+.1"/>
-                                          </p:val>
-                                        </p:tav>
-                                        <p:tav tm="100000">
-                                          <p:val>
-                                            <p:strVal val="#ppt_y"/>
-                                          </p:val>
-                                        </p:tav>
-                                      </p:tavLst>
-                                    </p:anim>
-                                  </p:childTnLst>
-                                </p:cTn>
-                              </p:par>
-                              <p:par>
-                                <p:cTn id="22" presetID="42" presetClass="entr" presetSubtype="0" fill="hold" grpId="0" nodeType="withEffect">
-                                  <p:stCondLst>
-                                    <p:cond delay="0"/>
-                                  </p:stCondLst>
-                                  <p:childTnLst>
-                                    <p:set>
-                                      <p:cBhvr>
-                                        <p:cTn id="23" dur="1" fill="hold">
-                                          <p:stCondLst>
-                                            <p:cond delay="0"/>
-                                          </p:stCondLst>
-                                        </p:cTn>
-                                        <p:tgtEl>
-                                          <p:spTgt spid="3">
-                                            <p:txEl>
-                                              <p:pRg st="3" end="3"/>
-                                            </p:txEl>
-                                          </p:spTgt>
-                                        </p:tgtEl>
-                                        <p:attrNameLst>
-                                          <p:attrName>style.visibility</p:attrName>
-                                        </p:attrNameLst>
-                                      </p:cBhvr>
-                                      <p:to>
-                                        <p:strVal val="visible"/>
-                                      </p:to>
-                                    </p:set>
-                                    <p:animEffect transition="in" filter="fade">
-                                      <p:cBhvr>
-                                        <p:cTn id="24" dur="1000"/>
-                                        <p:tgtEl>
-                                          <p:spTgt spid="3">
-                                            <p:txEl>
-                                              <p:pRg st="3" end="3"/>
-                                            </p:txEl>
-                                          </p:spTgt>
-                                        </p:tgtEl>
-                                      </p:cBhvr>
-                                    </p:animEffect>
-                                    <p:anim calcmode="lin" valueType="num">
-                                      <p:cBhvr>
-                                        <p:cTn id="25" dur="1000" fill="hold"/>
-                                        <p:tgtEl>
-                                          <p:spTgt spid="3">
-                                            <p:txEl>
-                                              <p:pRg st="3" end="3"/>
-                                            </p:txEl>
-                                          </p:spTgt>
-                                        </p:tgtEl>
-                                        <p:attrNameLst>
-                                          <p:attrName>ppt_x</p:attrName>
-                                        </p:attrNameLst>
-                                      </p:cBhvr>
-                                      <p:tavLst>
-                                        <p:tav tm="0">
-                                          <p:val>
-                                            <p:strVal val="#ppt_x"/>
-                                          </p:val>
-                                        </p:tav>
-                                        <p:tav tm="100000">
-                                          <p:val>
-                                            <p:strVal val="#ppt_x"/>
-                                          </p:val>
-                                        </p:tav>
-                                      </p:tavLst>
-                                    </p:anim>
-                                    <p:anim calcmode="lin" valueType="num">
-                                      <p:cBhvr>
-                                        <p:cTn id="26" dur="1000" fill="hold"/>
-                                        <p:tgtEl>
-                                          <p:spTgt spid="3">
-                                            <p:txEl>
-                                              <p:pRg st="3" end="3"/>
-                                            </p:txEl>
-                                          </p:spTgt>
-                                        </p:tgtEl>
-                                        <p:attrNameLst>
-                                          <p:attrName>ppt_y</p:attrName>
-                                        </p:attrNameLst>
-                                      </p:cBhvr>
-                                      <p:tavLst>
-                                        <p:tav tm="0">
-                                          <p:val>
-                                            <p:strVal val="#ppt_y+.1"/>
-                                          </p:val>
-                                        </p:tav>
-                                        <p:tav tm="100000">
-                                          <p:val>
-                                            <p:strVal val="#ppt_y"/>
-                                          </p:val>
-                                        </p:tav>
-                                      </p:tavLst>
-                                    </p:anim>
-                                  </p:childTnLst>
-                                </p:cTn>
-                              </p:par>
-                            </p:childTnLst>
-                          </p:cTn>
-                        </p:par>
-                      </p:childTnLst>
-                    </p:cTn>
-                  </p:par>
-                  <p:par>
-                    <p:cTn id="27" fill="hold">
-                      <p:stCondLst>
-                        <p:cond delay="indefinite"/>
-                      </p:stCondLst>
-                      <p:childTnLst>
-                        <p:par>
-                          <p:cTn id="28" fill="hold">
-                            <p:stCondLst>
-                              <p:cond delay="0"/>
-                            </p:stCondLst>
-                            <p:childTnLst>
-                              <p:par>
-                                <p:cTn id="29" presetID="42" presetClass="entr" presetSubtype="0" fill="hold" grpId="0" nodeType="clickEffect">
-                                  <p:stCondLst>
-                                    <p:cond delay="0"/>
-                                  </p:stCondLst>
-                                  <p:childTnLst>
-                                    <p:set>
-                                      <p:cBhvr>
-                                        <p:cTn id="30" dur="1" fill="hold">
-                                          <p:stCondLst>
-                                            <p:cond delay="0"/>
-                                          </p:stCondLst>
-                                        </p:cTn>
-                                        <p:tgtEl>
-                                          <p:spTgt spid="3">
-                                            <p:txEl>
-                                              <p:pRg st="4" end="4"/>
-                                            </p:txEl>
-                                          </p:spTgt>
-                                        </p:tgtEl>
-                                        <p:attrNameLst>
-                                          <p:attrName>style.visibility</p:attrName>
-                                        </p:attrNameLst>
-                                      </p:cBhvr>
-                                      <p:to>
-                                        <p:strVal val="visible"/>
-                                      </p:to>
-                                    </p:set>
-                                    <p:animEffect transition="in" filter="fade">
-                                      <p:cBhvr>
-                                        <p:cTn id="31" dur="1000"/>
-                                        <p:tgtEl>
-                                          <p:spTgt spid="3">
-                                            <p:txEl>
-                                              <p:pRg st="4" end="4"/>
-                                            </p:txEl>
-                                          </p:spTgt>
-                                        </p:tgtEl>
-                                      </p:cBhvr>
-                                    </p:animEffect>
-                                    <p:anim calcmode="lin" valueType="num">
-                                      <p:cBhvr>
-                                        <p:cTn id="32" dur="1000" fill="hold"/>
-                                        <p:tgtEl>
-                                          <p:spTgt spid="3">
-                                            <p:txEl>
-                                              <p:pRg st="4" end="4"/>
-                                            </p:txEl>
-                                          </p:spTgt>
-                                        </p:tgtEl>
-                                        <p:attrNameLst>
-                                          <p:attrName>ppt_x</p:attrName>
-                                        </p:attrNameLst>
-                                      </p:cBhvr>
-                                      <p:tavLst>
-                                        <p:tav tm="0">
-                                          <p:val>
-                                            <p:strVal val="#ppt_x"/>
-                                          </p:val>
-                                        </p:tav>
-                                        <p:tav tm="100000">
-                                          <p:val>
-                                            <p:strVal val="#ppt_x"/>
-                                          </p:val>
-                                        </p:tav>
-                                      </p:tavLst>
-                                    </p:anim>
-                                    <p:anim calcmode="lin" valueType="num">
-                                      <p:cBhvr>
-                                        <p:cTn id="33" dur="1000" fill="hold"/>
-                                        <p:tgtEl>
-                                          <p:spTgt spid="3">
-                                            <p:txEl>
-                                              <p:pRg st="4" end="4"/>
-                                            </p:txEl>
-                                          </p:spTgt>
-                                        </p:tgtEl>
-                                        <p:attrNameLst>
-                                          <p:attrName>ppt_y</p:attrName>
-                                        </p:attrNameLst>
-                                      </p:cBhvr>
-                                      <p:tavLst>
-                                        <p:tav tm="0">
-                                          <p:val>
-                                            <p:strVal val="#ppt_y+.1"/>
-                                          </p:val>
-                                        </p:tav>
-                                        <p:tav tm="100000">
-                                          <p:val>
-                                            <p:strVal val="#ppt_y"/>
-                                          </p:val>
-                                        </p:tav>
-                                      </p:tavLst>
-                                    </p:anim>
-                                  </p:childTnLst>
-                                </p:cTn>
-                              </p:par>
-                            </p:childTnLst>
-                          </p:cTn>
-                        </p:par>
-                      </p:childTnLst>
-                    </p:cTn>
-                  </p:par>
-                  <p:par>
-                    <p:cTn id="34" fill="hold">
-                      <p:stCondLst>
-                        <p:cond delay="indefinite"/>
-                      </p:stCondLst>
-                      <p:childTnLst>
-                        <p:par>
-                          <p:cTn id="35" fill="hold">
-                            <p:stCondLst>
-                              <p:cond delay="0"/>
-                            </p:stCondLst>
-                            <p:childTnLst>
-                              <p:par>
-                                <p:cTn id="36" presetID="42" presetClass="entr" presetSubtype="0" fill="hold" grpId="0" nodeType="clickEffect">
-                                  <p:stCondLst>
-                                    <p:cond delay="0"/>
-                                  </p:stCondLst>
-                                  <p:childTnLst>
-                                    <p:set>
-                                      <p:cBhvr>
-                                        <p:cTn id="37" dur="1" fill="hold">
-                                          <p:stCondLst>
-                                            <p:cond delay="0"/>
-                                          </p:stCondLst>
-                                        </p:cTn>
-                                        <p:tgtEl>
-                                          <p:spTgt spid="3">
-                                            <p:txEl>
-                                              <p:pRg st="5" end="5"/>
-                                            </p:txEl>
-                                          </p:spTgt>
-                                        </p:tgtEl>
-                                        <p:attrNameLst>
-                                          <p:attrName>style.visibility</p:attrName>
-                                        </p:attrNameLst>
-                                      </p:cBhvr>
-                                      <p:to>
-                                        <p:strVal val="visible"/>
-                                      </p:to>
-                                    </p:set>
-                                    <p:animEffect transition="in" filter="fade">
-                                      <p:cBhvr>
-                                        <p:cTn id="38" dur="1000"/>
-                                        <p:tgtEl>
-                                          <p:spTgt spid="3">
-                                            <p:txEl>
-                                              <p:pRg st="5" end="5"/>
-                                            </p:txEl>
-                                          </p:spTgt>
-                                        </p:tgtEl>
-                                      </p:cBhvr>
-                                    </p:animEffect>
-                                    <p:anim calcmode="lin" valueType="num">
-                                      <p:cBhvr>
-                                        <p:cTn id="39" dur="1000" fill="hold"/>
-                                        <p:tgtEl>
-                                          <p:spTgt spid="3">
-                                            <p:txEl>
-                                              <p:pRg st="5" end="5"/>
-                                            </p:txEl>
-                                          </p:spTgt>
-                                        </p:tgtEl>
-                                        <p:attrNameLst>
-                                          <p:attrName>ppt_x</p:attrName>
-                                        </p:attrNameLst>
-                                      </p:cBhvr>
-                                      <p:tavLst>
-                                        <p:tav tm="0">
-                                          <p:val>
-                                            <p:strVal val="#ppt_x"/>
-                                          </p:val>
-                                        </p:tav>
-                                        <p:tav tm="100000">
-                                          <p:val>
-                                            <p:strVal val="#ppt_x"/>
-                                          </p:val>
-                                        </p:tav>
-                                      </p:tavLst>
-                                    </p:anim>
-                                    <p:anim calcmode="lin" valueType="num">
-                                      <p:cBhvr>
-                                        <p:cTn id="40" dur="1000" fill="hold"/>
-                                        <p:tgtEl>
-                                          <p:spTgt spid="3">
-                                            <p:txEl>
-                                              <p:pRg st="5" end="5"/>
-                                            </p:txEl>
-                                          </p:spTgt>
-                                        </p:tgtEl>
-                                        <p:attrNameLst>
-                                          <p:attrName>ppt_y</p:attrName>
-                                        </p:attrNameLst>
-                                      </p:cBhvr>
-                                      <p:tavLst>
-                                        <p:tav tm="0">
-                                          <p:val>
-                                            <p:strVal val="#ppt_y+.1"/>
-                                          </p:val>
-                                        </p:tav>
-                                        <p:tav tm="100000">
-                                          <p:val>
-                                            <p:strVal val="#ppt_y"/>
-                                          </p:val>
-                                        </p:tav>
-                                      </p:tavLst>
-                                    </p:anim>
-                                  </p:childTnLst>
-                                </p:cTn>
-                              </p:par>
-                            </p:childTnLst>
-                          </p:cTn>
-                        </p:par>
-                      </p:childTnLst>
-                    </p:cTn>
-                  </p:par>
-                  <p:par>
-                    <p:cTn id="41" fill="hold">
-                      <p:stCondLst>
-                        <p:cond delay="indefinite"/>
-                      </p:stCondLst>
-                      <p:childTnLst>
-                        <p:par>
-                          <p:cTn id="42" fill="hold">
-                            <p:stCondLst>
-                              <p:cond delay="0"/>
-                            </p:stCondLst>
-                            <p:childTnLst>
-                              <p:par>
-                                <p:cTn id="43" presetID="42" presetClass="entr" presetSubtype="0" fill="hold" grpId="0" nodeType="clickEffect">
-                                  <p:stCondLst>
-                                    <p:cond delay="0"/>
-                                  </p:stCondLst>
-                                  <p:childTnLst>
-                                    <p:set>
-                                      <p:cBhvr>
-                                        <p:cTn id="44" dur="1" fill="hold">
-                                          <p:stCondLst>
-                                            <p:cond delay="0"/>
-                                          </p:stCondLst>
-                                        </p:cTn>
-                                        <p:tgtEl>
-                                          <p:spTgt spid="3">
-                                            <p:txEl>
-                                              <p:pRg st="6" end="6"/>
-                                            </p:txEl>
-                                          </p:spTgt>
-                                        </p:tgtEl>
-                                        <p:attrNameLst>
-                                          <p:attrName>style.visibility</p:attrName>
-                                        </p:attrNameLst>
-                                      </p:cBhvr>
-                                      <p:to>
-                                        <p:strVal val="visible"/>
-                                      </p:to>
-                                    </p:set>
-                                    <p:animEffect transition="in" filter="fade">
-                                      <p:cBhvr>
-                                        <p:cTn id="45" dur="1000"/>
-                                        <p:tgtEl>
-                                          <p:spTgt spid="3">
-                                            <p:txEl>
-                                              <p:pRg st="6" end="6"/>
-                                            </p:txEl>
-                                          </p:spTgt>
-                                        </p:tgtEl>
-                                      </p:cBhvr>
-                                    </p:animEffect>
-                                    <p:anim calcmode="lin" valueType="num">
-                                      <p:cBhvr>
-                                        <p:cTn id="46" dur="1000" fill="hold"/>
-                                        <p:tgtEl>
-                                          <p:spTgt spid="3">
-                                            <p:txEl>
-                                              <p:pRg st="6" end="6"/>
-                                            </p:txEl>
-                                          </p:spTgt>
-                                        </p:tgtEl>
-                                        <p:attrNameLst>
-                                          <p:attrName>ppt_x</p:attrName>
-                                        </p:attrNameLst>
-                                      </p:cBhvr>
-                                      <p:tavLst>
-                                        <p:tav tm="0">
-                                          <p:val>
-                                            <p:strVal val="#ppt_x"/>
-                                          </p:val>
-                                        </p:tav>
-                                        <p:tav tm="100000">
-                                          <p:val>
-                                            <p:strVal val="#ppt_x"/>
-                                          </p:val>
-                                        </p:tav>
-                                      </p:tavLst>
-                                    </p:anim>
-                                    <p:anim calcmode="lin" valueType="num">
-                                      <p:cBhvr>
-                                        <p:cTn id="47" dur="1000" fill="hold"/>
-                                        <p:tgtEl>
-                                          <p:spTgt spid="3">
-                                            <p:txEl>
-                                              <p:pRg st="6" end="6"/>
-                                            </p:txEl>
-                                          </p:spTgt>
-                                        </p:tgtEl>
-                                        <p:attrNameLst>
-                                          <p:attrName>ppt_y</p:attrName>
-                                        </p:attrNameLst>
-                                      </p:cBhvr>
-                                      <p:tavLst>
-                                        <p:tav tm="0">
-                                          <p:val>
-                                            <p:strVal val="#ppt_y+.1"/>
-                                          </p:val>
-                                        </p:tav>
-                                        <p:tav tm="100000">
-                                          <p:val>
-                                            <p:strVal val="#ppt_y"/>
-                                          </p:val>
-                                        </p:tav>
-                                      </p:tavLst>
-                                    </p:anim>
-                                  </p:childTnLst>
-                                </p:cTn>
-                              </p:par>
-                              <p:par>
-                                <p:cTn id="48" presetID="42" presetClass="entr" presetSubtype="0" fill="hold" grpId="0" nodeType="withEffect">
-                                  <p:stCondLst>
-                                    <p:cond delay="0"/>
-                                  </p:stCondLst>
-                                  <p:childTnLst>
-                                    <p:set>
-                                      <p:cBhvr>
-                                        <p:cTn id="49" dur="1" fill="hold">
-                                          <p:stCondLst>
-                                            <p:cond delay="0"/>
-                                          </p:stCondLst>
-                                        </p:cTn>
-                                        <p:tgtEl>
-                                          <p:spTgt spid="3">
-                                            <p:txEl>
-                                              <p:pRg st="7" end="7"/>
-                                            </p:txEl>
-                                          </p:spTgt>
-                                        </p:tgtEl>
-                                        <p:attrNameLst>
-                                          <p:attrName>style.visibility</p:attrName>
-                                        </p:attrNameLst>
-                                      </p:cBhvr>
-                                      <p:to>
-                                        <p:strVal val="visible"/>
-                                      </p:to>
-                                    </p:set>
-                                    <p:animEffect transition="in" filter="fade">
-                                      <p:cBhvr>
-                                        <p:cTn id="50" dur="1000"/>
-                                        <p:tgtEl>
-                                          <p:spTgt spid="3">
-                                            <p:txEl>
-                                              <p:pRg st="7" end="7"/>
-                                            </p:txEl>
-                                          </p:spTgt>
-                                        </p:tgtEl>
-                                      </p:cBhvr>
-                                    </p:animEffect>
-                                    <p:anim calcmode="lin" valueType="num">
-                                      <p:cBhvr>
-                                        <p:cTn id="51" dur="1000" fill="hold"/>
-                                        <p:tgtEl>
-                                          <p:spTgt spid="3">
-                                            <p:txEl>
-                                              <p:pRg st="7" end="7"/>
-                                            </p:txEl>
-                                          </p:spTgt>
-                                        </p:tgtEl>
-                                        <p:attrNameLst>
-                                          <p:attrName>ppt_x</p:attrName>
-                                        </p:attrNameLst>
-                                      </p:cBhvr>
-                                      <p:tavLst>
-                                        <p:tav tm="0">
-                                          <p:val>
-                                            <p:strVal val="#ppt_x"/>
-                                          </p:val>
-                                        </p:tav>
-                                        <p:tav tm="100000">
-                                          <p:val>
-                                            <p:strVal val="#ppt_x"/>
-                                          </p:val>
-                                        </p:tav>
-                                      </p:tavLst>
-                                    </p:anim>
-                                    <p:anim calcmode="lin" valueType="num">
-                                      <p:cBhvr>
-                                        <p:cTn id="52" dur="1000" fill="hold"/>
-                                        <p:tgtEl>
-                                          <p:spTgt spid="3">
-                                            <p:txEl>
-                                              <p:pRg st="7" end="7"/>
-                                            </p:txEl>
-                                          </p:spTgt>
-                                        </p:tgtEl>
-                                        <p:attrNameLst>
-                                          <p:attrName>ppt_y</p:attrName>
-                                        </p:attrNameLst>
-                                      </p:cBhvr>
-                                      <p:tavLst>
-                                        <p:tav tm="0">
-                                          <p:val>
-                                            <p:strVal val="#ppt_y+.1"/>
-                                          </p:val>
-                                        </p:tav>
-                                        <p:tav tm="100000">
-                                          <p:val>
-                                            <p:strVal val="#ppt_y"/>
-                                          </p:val>
-                                        </p:tav>
-                                      </p:tavLst>
-                                    </p:anim>
-                                  </p:childTnLst>
-                                </p:cTn>
-                              </p:par>
-                              <p:par>
-                                <p:cTn id="53" presetID="42" presetClass="entr" presetSubtype="0" fill="hold" grpId="0" nodeType="withEffect">
-                                  <p:stCondLst>
-                                    <p:cond delay="0"/>
-                                  </p:stCondLst>
-                                  <p:childTnLst>
-                                    <p:set>
-                                      <p:cBhvr>
-                                        <p:cTn id="54" dur="1" fill="hold">
-                                          <p:stCondLst>
-                                            <p:cond delay="0"/>
-                                          </p:stCondLst>
-                                        </p:cTn>
-                                        <p:tgtEl>
-                                          <p:spTgt spid="3">
-                                            <p:txEl>
-                                              <p:pRg st="8" end="8"/>
-                                            </p:txEl>
-                                          </p:spTgt>
-                                        </p:tgtEl>
-                                        <p:attrNameLst>
-                                          <p:attrName>style.visibility</p:attrName>
-                                        </p:attrNameLst>
-                                      </p:cBhvr>
-                                      <p:to>
-                                        <p:strVal val="visible"/>
-                                      </p:to>
-                                    </p:set>
-                                    <p:animEffect transition="in" filter="fade">
-                                      <p:cBhvr>
-                                        <p:cTn id="55" dur="1000"/>
-                                        <p:tgtEl>
-                                          <p:spTgt spid="3">
-                                            <p:txEl>
-                                              <p:pRg st="8" end="8"/>
-                                            </p:txEl>
-                                          </p:spTgt>
-                                        </p:tgtEl>
-                                      </p:cBhvr>
-                                    </p:animEffect>
-                                    <p:anim calcmode="lin" valueType="num">
-                                      <p:cBhvr>
-                                        <p:cTn id="56" dur="1000" fill="hold"/>
-                                        <p:tgtEl>
-                                          <p:spTgt spid="3">
-                                            <p:txEl>
-                                              <p:pRg st="8" end="8"/>
-                                            </p:txEl>
-                                          </p:spTgt>
-                                        </p:tgtEl>
-                                        <p:attrNameLst>
-                                          <p:attrName>ppt_x</p:attrName>
-                                        </p:attrNameLst>
-                                      </p:cBhvr>
-                                      <p:tavLst>
-                                        <p:tav tm="0">
-                                          <p:val>
-                                            <p:strVal val="#ppt_x"/>
-                                          </p:val>
-                                        </p:tav>
-                                        <p:tav tm="100000">
-                                          <p:val>
-                                            <p:strVal val="#ppt_x"/>
-                                          </p:val>
-                                        </p:tav>
-                                      </p:tavLst>
-                                    </p:anim>
-                                    <p:anim calcmode="lin" valueType="num">
-                                      <p:cBhvr>
-                                        <p:cTn id="57" dur="1000" fill="hold"/>
-                                        <p:tgtEl>
-                                          <p:spTgt spid="3">
-                                            <p:txEl>
-                                              <p:pRg st="8" end="8"/>
-                                            </p:txEl>
-                                          </p:spTgt>
-                                        </p:tgtEl>
-                                        <p:attrNameLst>
-                                          <p:attrName>ppt_y</p:attrName>
-                                        </p:attrNameLst>
-                                      </p:cBhvr>
-                                      <p:tavLst>
-                                        <p:tav tm="0">
-                                          <p:val>
-                                            <p:strVal val="#ppt_y+.1"/>
-                                          </p:val>
-                                        </p:tav>
-                                        <p:tav tm="100000">
-                                          <p:val>
-                                            <p:strVal val="#ppt_y"/>
-                                          </p:val>
-                                        </p:tav>
-                                      </p:tavLst>
-                                    </p:anim>
-                                  </p:childTnLst>
-                                </p:cTn>
-                              </p:par>
-                            </p:childTnLst>
-                          </p:cTn>
-                        </p:par>
-                      </p:childTnLst>
-                    </p:cTn>
-                  </p:par>
-                </p:childTnLst>
-              </p:cTn>
-              <p:prevCondLst>
-                <p:cond evt="onPrev" delay="0">
-                  <p:tgtEl>
-                    <p:sldTgt/>
-                  </p:tgtEl>
-                </p:cond>
-              </p:prevCondLst>
-              <p:nextCondLst>
-                <p:cond evt="onNext" delay="0">
-                  <p:tgtEl>
-                    <p:sldTgt/>
-                  </p:tgtEl>
-                </p:cond>
-              </p:nextCondLst>
-            </p:seq>
-          </p:childTnLst>
-        </p:cTn>
-      </p:par>
-    </p:tnLst>
-    <p:bldLst>
-      <p:bldP spid="3" grpId="0" build="p"/>
-    </p:bldLst>
-  </p:timing>
-</p:sld>
-</file>
-
-<file path=ppt/slides/slide7.xml><?xml version="1.0" encoding="utf-8"?>
-<p:sld xmlns:a="http://schemas.openxmlformats.org/drawingml/2006/main" xmlns:r="http://schemas.openxmlformats.org/officeDocument/2006/relationships" xmlns:p="http://schemas.openxmlformats.org/presentationml/2006/main">
-  <p:cSld>
-    <p:spTree>
-      <p:nvGrpSpPr>
-        <p:cNvPr id="1" name=""/>
-        <p:cNvGrpSpPr/>
-        <p:nvPr/>
-      </p:nvGrpSpPr>
-      <p:grpSpPr>
-        <a:xfrm>
-          <a:off x="0" y="0"/>
-          <a:ext cx="0" cy="0"/>
-          <a:chOff x="0" y="0"/>
-          <a:chExt cx="0" cy="0"/>
-        </a:xfrm>
-      </p:grpSpPr>
-      <p:sp>
-        <p:nvSpPr>
-          <p:cNvPr id="2" name="Title 1">
-            <a:extLst>
-              <a:ext uri="{FF2B5EF4-FFF2-40B4-BE49-F238E27FC236}">
-                <a16:creationId xmlns:a16="http://schemas.microsoft.com/office/drawing/2014/main" id="{F3B68771-0010-4672-98E0-03F245E96472}"/>
-              </a:ext>
-            </a:extLst>
-          </p:cNvPr>
-          <p:cNvSpPr>
-            <a:spLocks noGrp="1"/>
-          </p:cNvSpPr>
-          <p:nvPr>
-            <p:ph type="title"/>
-          </p:nvPr>
-        </p:nvSpPr>
-        <p:spPr/>
-        <p:txBody>
-          <a:bodyPr/>
-          <a:lstStyle/>
-          <a:p>
-            <a:pPr algn="ctr"/>
-            <a:r>
-              <a:rPr lang="en-US" altLang="en-US" b="1" dirty="0"/>
-              <a:t>Basic Datatypes</a:t>
-            </a:r>
-            <a:endParaRPr lang="en-US" b="1" dirty="0"/>
-          </a:p>
-        </p:txBody>
-      </p:sp>
-      <p:sp>
-        <p:nvSpPr>
-          <p:cNvPr id="3" name="Content Placeholder 2">
-            <a:extLst>
-              <a:ext uri="{FF2B5EF4-FFF2-40B4-BE49-F238E27FC236}">
-                <a16:creationId xmlns:a16="http://schemas.microsoft.com/office/drawing/2014/main" id="{DD43E9AB-7CF8-4712-B658-E31543851047}"/>
-              </a:ext>
-            </a:extLst>
-          </p:cNvPr>
-          <p:cNvSpPr>
-            <a:spLocks noGrp="1"/>
-          </p:cNvSpPr>
-          <p:nvPr>
-            <p:ph idx="1"/>
-          </p:nvPr>
-        </p:nvSpPr>
-        <p:spPr>
-          <a:xfrm>
-            <a:off x="1043354" y="1690688"/>
-            <a:ext cx="10310446" cy="4486275"/>
-          </a:xfrm>
-        </p:spPr>
-        <p:txBody>
-          <a:bodyPr>
-            <a:normAutofit/>
-          </a:bodyPr>
-          <a:lstStyle/>
-          <a:p>
-            <a:r>
-              <a:rPr lang="en-US" altLang="en-US" dirty="0"/>
-              <a:t>Integers (default for numbers)</a:t>
-            </a:r>
-          </a:p>
-          <a:p>
-            <a:pPr lvl="1">
-              <a:buFontTx/>
-              <a:buNone/>
-            </a:pPr>
-            <a:r>
-              <a:rPr lang="en-US" altLang="en-US" dirty="0"/>
-              <a:t>z = 5 / 2    # Answer is 2.5, regular division.</a:t>
-            </a:r>
-          </a:p>
-          <a:p>
-            <a:pPr lvl="1">
-              <a:buFontTx/>
-              <a:buNone/>
-            </a:pPr>
-            <a:r>
-              <a:rPr lang="en-US" altLang="en-US" dirty="0"/>
-              <a:t>z = 5 // 2  # Answer is 2, integer division.</a:t>
-            </a:r>
-          </a:p>
-          <a:p>
-            <a:r>
-              <a:rPr lang="en-US" altLang="en-US" dirty="0"/>
-              <a:t>Floats</a:t>
-            </a:r>
-          </a:p>
-          <a:p>
-            <a:pPr lvl="1">
-              <a:buFontTx/>
-              <a:buNone/>
-            </a:pPr>
-            <a:r>
-              <a:rPr lang="en-US" altLang="en-US" dirty="0"/>
-              <a:t>x = 3.456</a:t>
-            </a:r>
-          </a:p>
-          <a:p>
-            <a:r>
-              <a:rPr lang="en-US" altLang="en-US" dirty="0"/>
-              <a:t>Strings</a:t>
-            </a:r>
-          </a:p>
-          <a:p>
-            <a:pPr lvl="1">
-              <a:buFontTx/>
-              <a:buNone/>
-            </a:pPr>
-            <a:r>
-              <a:rPr lang="en-US" altLang="en-US" dirty="0"/>
-              <a:t>Can use “” or ‘’ to specify.   “</a:t>
-            </a:r>
-            <a:r>
-              <a:rPr lang="en-US" altLang="en-US" dirty="0" err="1"/>
-              <a:t>abc</a:t>
-            </a:r>
-            <a:r>
-              <a:rPr lang="en-US" altLang="en-US" dirty="0"/>
-              <a:t>”  ‘</a:t>
-            </a:r>
-            <a:r>
-              <a:rPr lang="en-US" altLang="en-US" dirty="0" err="1"/>
-              <a:t>abc</a:t>
-            </a:r>
-            <a:r>
-              <a:rPr lang="en-US" altLang="en-US" dirty="0"/>
-              <a:t>’  (Same thing.)</a:t>
-            </a:r>
-          </a:p>
-          <a:p>
-            <a:pPr lvl="1">
-              <a:buFontTx/>
-              <a:buNone/>
-            </a:pPr>
-            <a:r>
-              <a:rPr lang="en-US" altLang="en-US" dirty="0"/>
-              <a:t>Unmatched ones can occur within the string.  “matt’s”</a:t>
-            </a:r>
-          </a:p>
-          <a:p>
-            <a:pPr lvl="1">
-              <a:buFontTx/>
-              <a:buNone/>
-            </a:pPr>
-            <a:r>
-              <a:rPr lang="en-US" altLang="en-US" dirty="0"/>
-              <a:t>Use triple double-quotes for multi-line strings or strings than contain both ‘ and “ inside of them:  “““</a:t>
-            </a:r>
-            <a:r>
-              <a:rPr lang="en-US" altLang="en-US" dirty="0" err="1"/>
-              <a:t>a‘b“c</a:t>
-            </a:r>
-            <a:r>
-              <a:rPr lang="en-US" altLang="en-US" dirty="0"/>
-              <a:t>”””</a:t>
-            </a:r>
-          </a:p>
-        </p:txBody>
-      </p:sp>
-    </p:spTree>
-    <p:extLst>
-      <p:ext uri="{BB962C8B-B14F-4D97-AF65-F5344CB8AC3E}">
-        <p14:creationId xmlns:p14="http://schemas.microsoft.com/office/powerpoint/2010/main" val="1040110253"/>
-      </p:ext>
-    </p:extLst>
-  </p:cSld>
-  <p:clrMapOvr>
-    <a:masterClrMapping/>
-  </p:clrMapOvr>
-  <p:timing>
-    <p:tnLst>
-      <p:par>
-        <p:cTn id="1" dur="indefinite" restart="never" nodeType="tmRoot">
-          <p:childTnLst>
-            <p:seq concurrent="1" nextAc="seek">
-              <p:cTn id="2" dur="indefinite" nodeType="mainSeq">
-                <p:childTnLst>
-                  <p:par>
-                    <p:cTn id="3" fill="hold">
-                      <p:stCondLst>
-                        <p:cond delay="indefinite"/>
-                      </p:stCondLst>
-                      <p:childTnLst>
-                        <p:par>
-                          <p:cTn id="4" fill="hold">
-                            <p:stCondLst>
-                              <p:cond delay="0"/>
-                            </p:stCondLst>
-                            <p:childTnLst>
-                              <p:par>
-                                <p:cTn id="5" presetID="42" presetClass="entr" presetSubtype="0" fill="hold" grpId="0" nodeType="clickEffect">
-                                  <p:stCondLst>
-                                    <p:cond delay="0"/>
-                                  </p:stCondLst>
-                                  <p:childTnLst>
-                                    <p:set>
-                                      <p:cBhvr>
-                                        <p:cTn id="6" dur="1" fill="hold">
-                                          <p:stCondLst>
-                                            <p:cond delay="0"/>
-                                          </p:stCondLst>
-                                        </p:cTn>
-                                        <p:tgtEl>
-                                          <p:spTgt spid="3">
-                                            <p:txEl>
-                                              <p:pRg st="0" end="0"/>
-                                            </p:txEl>
-                                          </p:spTgt>
-                                        </p:tgtEl>
-                                        <p:attrNameLst>
-                                          <p:attrName>style.visibility</p:attrName>
-                                        </p:attrNameLst>
-                                      </p:cBhvr>
-                                      <p:to>
-                                        <p:strVal val="visible"/>
-                                      </p:to>
-                                    </p:set>
-                                    <p:animEffect transition="in" filter="fade">
-                                      <p:cBhvr>
-                                        <p:cTn id="7" dur="1000"/>
-                                        <p:tgtEl>
-                                          <p:spTgt spid="3">
-                                            <p:txEl>
-                                              <p:pRg st="0" end="0"/>
-                                            </p:txEl>
-                                          </p:spTgt>
-                                        </p:tgtEl>
-                                      </p:cBhvr>
-                                    </p:animEffect>
-                                    <p:anim calcmode="lin" valueType="num">
-                                      <p:cBhvr>
-                                        <p:cTn id="8" dur="1000" fill="hold"/>
-                                        <p:tgtEl>
-                                          <p:spTgt spid="3">
-                                            <p:txEl>
-                                              <p:pRg st="0" end="0"/>
-                                            </p:txEl>
-                                          </p:spTgt>
-                                        </p:tgtEl>
-                                        <p:attrNameLst>
-                                          <p:attrName>ppt_x</p:attrName>
-                                        </p:attrNameLst>
-                                      </p:cBhvr>
-                                      <p:tavLst>
-                                        <p:tav tm="0">
-                                          <p:val>
-                                            <p:strVal val="#ppt_x"/>
-                                          </p:val>
-                                        </p:tav>
-                                        <p:tav tm="100000">
-                                          <p:val>
-                                            <p:strVal val="#ppt_x"/>
-                                          </p:val>
-                                        </p:tav>
-                                      </p:tavLst>
-                                    </p:anim>
-                                    <p:anim calcmode="lin" valueType="num">
-                                      <p:cBhvr>
-                                        <p:cTn id="9" dur="1000" fill="hold"/>
-                                        <p:tgtEl>
-                                          <p:spTgt spid="3">
-                                            <p:txEl>
-                                              <p:pRg st="0" end="0"/>
-                                            </p:txEl>
-                                          </p:spTgt>
-                                        </p:tgtEl>
-                                        <p:attrNameLst>
-                                          <p:attrName>ppt_y</p:attrName>
-                                        </p:attrNameLst>
-                                      </p:cBhvr>
-                                      <p:tavLst>
-                                        <p:tav tm="0">
-                                          <p:val>
-                                            <p:strVal val="#ppt_y+.1"/>
-                                          </p:val>
-                                        </p:tav>
-                                        <p:tav tm="100000">
-                                          <p:val>
-                                            <p:strVal val="#ppt_y"/>
-                                          </p:val>
-                                        </p:tav>
-                                      </p:tavLst>
-                                    </p:anim>
-                                  </p:childTnLst>
-                                </p:cTn>
-                              </p:par>
-                              <p:par>
-                                <p:cTn id="10" presetID="42" presetClass="entr" presetSubtype="0" fill="hold" grpId="0" nodeType="withEffect">
-                                  <p:stCondLst>
-                                    <p:cond delay="0"/>
-                                  </p:stCondLst>
-                                  <p:childTnLst>
-                                    <p:set>
-                                      <p:cBhvr>
-                                        <p:cTn id="11" dur="1" fill="hold">
-                                          <p:stCondLst>
-                                            <p:cond delay="0"/>
-                                          </p:stCondLst>
-                                        </p:cTn>
-                                        <p:tgtEl>
-                                          <p:spTgt spid="3">
-                                            <p:txEl>
-                                              <p:pRg st="1" end="1"/>
-                                            </p:txEl>
-                                          </p:spTgt>
-                                        </p:tgtEl>
-                                        <p:attrNameLst>
-                                          <p:attrName>style.visibility</p:attrName>
-                                        </p:attrNameLst>
-                                      </p:cBhvr>
-                                      <p:to>
-                                        <p:strVal val="visible"/>
-                                      </p:to>
-                                    </p:set>
-                                    <p:animEffect transition="in" filter="fade">
-                                      <p:cBhvr>
-                                        <p:cTn id="12" dur="1000"/>
-                                        <p:tgtEl>
-                                          <p:spTgt spid="3">
-                                            <p:txEl>
-                                              <p:pRg st="1" end="1"/>
-                                            </p:txEl>
-                                          </p:spTgt>
-                                        </p:tgtEl>
-                                      </p:cBhvr>
-                                    </p:animEffect>
-                                    <p:anim calcmode="lin" valueType="num">
-                                      <p:cBhvr>
-                                        <p:cTn id="13" dur="1000" fill="hold"/>
-                                        <p:tgtEl>
-                                          <p:spTgt spid="3">
-                                            <p:txEl>
-                                              <p:pRg st="1" end="1"/>
-                                            </p:txEl>
-                                          </p:spTgt>
-                                        </p:tgtEl>
-                                        <p:attrNameLst>
-                                          <p:attrName>ppt_x</p:attrName>
-                                        </p:attrNameLst>
-                                      </p:cBhvr>
-                                      <p:tavLst>
-                                        <p:tav tm="0">
-                                          <p:val>
-                                            <p:strVal val="#ppt_x"/>
-                                          </p:val>
-                                        </p:tav>
-                                        <p:tav tm="100000">
-                                          <p:val>
-                                            <p:strVal val="#ppt_x"/>
-                                          </p:val>
-                                        </p:tav>
-                                      </p:tavLst>
-                                    </p:anim>
-                                    <p:anim calcmode="lin" valueType="num">
-                                      <p:cBhvr>
-                                        <p:cTn id="14" dur="1000" fill="hold"/>
-                                        <p:tgtEl>
-                                          <p:spTgt spid="3">
-                                            <p:txEl>
-                                              <p:pRg st="1" end="1"/>
-                                            </p:txEl>
-                                          </p:spTgt>
-                                        </p:tgtEl>
-                                        <p:attrNameLst>
-                                          <p:attrName>ppt_y</p:attrName>
-                                        </p:attrNameLst>
-                                      </p:cBhvr>
-                                      <p:tavLst>
-                                        <p:tav tm="0">
-                                          <p:val>
-                                            <p:strVal val="#ppt_y+.1"/>
-                                          </p:val>
-                                        </p:tav>
-                                        <p:tav tm="100000">
-                                          <p:val>
-                                            <p:strVal val="#ppt_y"/>
-                                          </p:val>
-                                        </p:tav>
-                                      </p:tavLst>
-                                    </p:anim>
-                                  </p:childTnLst>
-                                </p:cTn>
-                              </p:par>
-                              <p:par>
-                                <p:cTn id="15" presetID="42" presetClass="entr" presetSubtype="0" fill="hold" grpId="0" nodeType="withEffect">
-                                  <p:stCondLst>
-                                    <p:cond delay="0"/>
-                                  </p:stCondLst>
-                                  <p:childTnLst>
-                                    <p:set>
-                                      <p:cBhvr>
-                                        <p:cTn id="16" dur="1" fill="hold">
-                                          <p:stCondLst>
-                                            <p:cond delay="0"/>
-                                          </p:stCondLst>
-                                        </p:cTn>
-                                        <p:tgtEl>
-                                          <p:spTgt spid="3">
-                                            <p:txEl>
-                                              <p:pRg st="2" end="2"/>
-                                            </p:txEl>
-                                          </p:spTgt>
-                                        </p:tgtEl>
-                                        <p:attrNameLst>
-                                          <p:attrName>style.visibility</p:attrName>
-                                        </p:attrNameLst>
-                                      </p:cBhvr>
-                                      <p:to>
-                                        <p:strVal val="visible"/>
-                                      </p:to>
-                                    </p:set>
-                                    <p:animEffect transition="in" filter="fade">
-                                      <p:cBhvr>
-                                        <p:cTn id="17" dur="1000"/>
-                                        <p:tgtEl>
-                                          <p:spTgt spid="3">
-                                            <p:txEl>
-                                              <p:pRg st="2" end="2"/>
-                                            </p:txEl>
-                                          </p:spTgt>
-                                        </p:tgtEl>
-                                      </p:cBhvr>
-                                    </p:animEffect>
-                                    <p:anim calcmode="lin" valueType="num">
-                                      <p:cBhvr>
-                                        <p:cTn id="18" dur="1000" fill="hold"/>
-                                        <p:tgtEl>
-                                          <p:spTgt spid="3">
-                                            <p:txEl>
-                                              <p:pRg st="2" end="2"/>
-                                            </p:txEl>
-                                          </p:spTgt>
-                                        </p:tgtEl>
-                                        <p:attrNameLst>
-                                          <p:attrName>ppt_x</p:attrName>
-                                        </p:attrNameLst>
-                                      </p:cBhvr>
-                                      <p:tavLst>
-                                        <p:tav tm="0">
-                                          <p:val>
-                                            <p:strVal val="#ppt_x"/>
-                                          </p:val>
-                                        </p:tav>
-                                        <p:tav tm="100000">
-                                          <p:val>
-                                            <p:strVal val="#ppt_x"/>
-                                          </p:val>
-                                        </p:tav>
-                                      </p:tavLst>
-                                    </p:anim>
-                                    <p:anim calcmode="lin" valueType="num">
-                                      <p:cBhvr>
-                                        <p:cTn id="19" dur="1000" fill="hold"/>
-                                        <p:tgtEl>
-                                          <p:spTgt spid="3">
-                                            <p:txEl>
-                                              <p:pRg st="2" end="2"/>
-                                            </p:txEl>
-                                          </p:spTgt>
-                                        </p:tgtEl>
-                                        <p:attrNameLst>
-                                          <p:attrName>ppt_y</p:attrName>
-                                        </p:attrNameLst>
-                                      </p:cBhvr>
-                                      <p:tavLst>
-                                        <p:tav tm="0">
-                                          <p:val>
-                                            <p:strVal val="#ppt_y+.1"/>
-                                          </p:val>
-                                        </p:tav>
-                                        <p:tav tm="100000">
-                                          <p:val>
-                                            <p:strVal val="#ppt_y"/>
-                                          </p:val>
-                                        </p:tav>
-                                      </p:tavLst>
-                                    </p:anim>
-                                  </p:childTnLst>
-                                </p:cTn>
-                              </p:par>
-                            </p:childTnLst>
-                          </p:cTn>
-                        </p:par>
-                      </p:childTnLst>
-                    </p:cTn>
-                  </p:par>
-                  <p:par>
-                    <p:cTn id="20" fill="hold">
-                      <p:stCondLst>
-                        <p:cond delay="indefinite"/>
-                      </p:stCondLst>
-                      <p:childTnLst>
-                        <p:par>
-                          <p:cTn id="21" fill="hold">
-                            <p:stCondLst>
-                              <p:cond delay="0"/>
-                            </p:stCondLst>
-                            <p:childTnLst>
-                              <p:par>
-                                <p:cTn id="22" presetID="42" presetClass="entr" presetSubtype="0" fill="hold" grpId="0" nodeType="clickEffect">
-                                  <p:stCondLst>
-                                    <p:cond delay="0"/>
-                                  </p:stCondLst>
-                                  <p:childTnLst>
-                                    <p:set>
-                                      <p:cBhvr>
-                                        <p:cTn id="23" dur="1" fill="hold">
-                                          <p:stCondLst>
-                                            <p:cond delay="0"/>
-                                          </p:stCondLst>
-                                        </p:cTn>
-                                        <p:tgtEl>
-                                          <p:spTgt spid="3">
-                                            <p:txEl>
-                                              <p:pRg st="3" end="3"/>
-                                            </p:txEl>
-                                          </p:spTgt>
-                                        </p:tgtEl>
-                                        <p:attrNameLst>
-                                          <p:attrName>style.visibility</p:attrName>
-                                        </p:attrNameLst>
-                                      </p:cBhvr>
-                                      <p:to>
-                                        <p:strVal val="visible"/>
-                                      </p:to>
-                                    </p:set>
-                                    <p:animEffect transition="in" filter="fade">
-                                      <p:cBhvr>
-                                        <p:cTn id="24" dur="1000"/>
-                                        <p:tgtEl>
-                                          <p:spTgt spid="3">
-                                            <p:txEl>
-                                              <p:pRg st="3" end="3"/>
-                                            </p:txEl>
-                                          </p:spTgt>
-                                        </p:tgtEl>
-                                      </p:cBhvr>
-                                    </p:animEffect>
-                                    <p:anim calcmode="lin" valueType="num">
-                                      <p:cBhvr>
-                                        <p:cTn id="25" dur="1000" fill="hold"/>
-                                        <p:tgtEl>
-                                          <p:spTgt spid="3">
-                                            <p:txEl>
-                                              <p:pRg st="3" end="3"/>
-                                            </p:txEl>
-                                          </p:spTgt>
-                                        </p:tgtEl>
-                                        <p:attrNameLst>
-                                          <p:attrName>ppt_x</p:attrName>
-                                        </p:attrNameLst>
-                                      </p:cBhvr>
-                                      <p:tavLst>
-                                        <p:tav tm="0">
-                                          <p:val>
-                                            <p:strVal val="#ppt_x"/>
-                                          </p:val>
-                                        </p:tav>
-                                        <p:tav tm="100000">
-                                          <p:val>
-                                            <p:strVal val="#ppt_x"/>
-                                          </p:val>
-                                        </p:tav>
-                                      </p:tavLst>
-                                    </p:anim>
-                                    <p:anim calcmode="lin" valueType="num">
-                                      <p:cBhvr>
-                                        <p:cTn id="26" dur="1000" fill="hold"/>
-                                        <p:tgtEl>
-                                          <p:spTgt spid="3">
-                                            <p:txEl>
-                                              <p:pRg st="3" end="3"/>
-                                            </p:txEl>
-                                          </p:spTgt>
-                                        </p:tgtEl>
-                                        <p:attrNameLst>
-                                          <p:attrName>ppt_y</p:attrName>
-                                        </p:attrNameLst>
-                                      </p:cBhvr>
-                                      <p:tavLst>
-                                        <p:tav tm="0">
-                                          <p:val>
-                                            <p:strVal val="#ppt_y+.1"/>
-                                          </p:val>
-                                        </p:tav>
-                                        <p:tav tm="100000">
-                                          <p:val>
-                                            <p:strVal val="#ppt_y"/>
-                                          </p:val>
-                                        </p:tav>
-                                      </p:tavLst>
-                                    </p:anim>
-                                  </p:childTnLst>
-                                </p:cTn>
-                              </p:par>
-                              <p:par>
-                                <p:cTn id="27" presetID="42" presetClass="entr" presetSubtype="0" fill="hold" grpId="0" nodeType="withEffect">
-                                  <p:stCondLst>
-                                    <p:cond delay="0"/>
-                                  </p:stCondLst>
-                                  <p:childTnLst>
-                                    <p:set>
-                                      <p:cBhvr>
-                                        <p:cTn id="28" dur="1" fill="hold">
-                                          <p:stCondLst>
-                                            <p:cond delay="0"/>
-                                          </p:stCondLst>
-                                        </p:cTn>
-                                        <p:tgtEl>
-                                          <p:spTgt spid="3">
-                                            <p:txEl>
-                                              <p:pRg st="4" end="4"/>
-                                            </p:txEl>
-                                          </p:spTgt>
-                                        </p:tgtEl>
-                                        <p:attrNameLst>
-                                          <p:attrName>style.visibility</p:attrName>
-                                        </p:attrNameLst>
-                                      </p:cBhvr>
-                                      <p:to>
-                                        <p:strVal val="visible"/>
-                                      </p:to>
-                                    </p:set>
-                                    <p:animEffect transition="in" filter="fade">
-                                      <p:cBhvr>
-                                        <p:cTn id="29" dur="1000"/>
-                                        <p:tgtEl>
-                                          <p:spTgt spid="3">
-                                            <p:txEl>
-                                              <p:pRg st="4" end="4"/>
-                                            </p:txEl>
-                                          </p:spTgt>
-                                        </p:tgtEl>
-                                      </p:cBhvr>
-                                    </p:animEffect>
-                                    <p:anim calcmode="lin" valueType="num">
-                                      <p:cBhvr>
-                                        <p:cTn id="30" dur="1000" fill="hold"/>
-                                        <p:tgtEl>
-                                          <p:spTgt spid="3">
-                                            <p:txEl>
-                                              <p:pRg st="4" end="4"/>
-                                            </p:txEl>
-                                          </p:spTgt>
-                                        </p:tgtEl>
-                                        <p:attrNameLst>
-                                          <p:attrName>ppt_x</p:attrName>
-                                        </p:attrNameLst>
-                                      </p:cBhvr>
-                                      <p:tavLst>
-                                        <p:tav tm="0">
-                                          <p:val>
-                                            <p:strVal val="#ppt_x"/>
-                                          </p:val>
-                                        </p:tav>
-                                        <p:tav tm="100000">
-                                          <p:val>
-                                            <p:strVal val="#ppt_x"/>
-                                          </p:val>
-                                        </p:tav>
-                                      </p:tavLst>
-                                    </p:anim>
-                                    <p:anim calcmode="lin" valueType="num">
-                                      <p:cBhvr>
-                                        <p:cTn id="31" dur="1000" fill="hold"/>
-                                        <p:tgtEl>
-                                          <p:spTgt spid="3">
-                                            <p:txEl>
-                                              <p:pRg st="4" end="4"/>
-                                            </p:txEl>
-                                          </p:spTgt>
-                                        </p:tgtEl>
-                                        <p:attrNameLst>
-                                          <p:attrName>ppt_y</p:attrName>
-                                        </p:attrNameLst>
-                                      </p:cBhvr>
-                                      <p:tavLst>
-                                        <p:tav tm="0">
-                                          <p:val>
-                                            <p:strVal val="#ppt_y+.1"/>
-                                          </p:val>
-                                        </p:tav>
-                                        <p:tav tm="100000">
-                                          <p:val>
-                                            <p:strVal val="#ppt_y"/>
-                                          </p:val>
-                                        </p:tav>
-                                      </p:tavLst>
-                                    </p:anim>
-                                  </p:childTnLst>
-                                </p:cTn>
-                              </p:par>
-                            </p:childTnLst>
-                          </p:cTn>
-                        </p:par>
-                      </p:childTnLst>
-                    </p:cTn>
-                  </p:par>
-                  <p:par>
-                    <p:cTn id="32" fill="hold">
-                      <p:stCondLst>
-                        <p:cond delay="indefinite"/>
-                      </p:stCondLst>
-                      <p:childTnLst>
-                        <p:par>
-                          <p:cTn id="33" fill="hold">
-                            <p:stCondLst>
-                              <p:cond delay="0"/>
-                            </p:stCondLst>
-                            <p:childTnLst>
-                              <p:par>
-                                <p:cTn id="34" presetID="42" presetClass="entr" presetSubtype="0" fill="hold" grpId="0" nodeType="clickEffect">
-                                  <p:stCondLst>
-                                    <p:cond delay="0"/>
-                                  </p:stCondLst>
-                                  <p:childTnLst>
-                                    <p:set>
-                                      <p:cBhvr>
-                                        <p:cTn id="35" dur="1" fill="hold">
-                                          <p:stCondLst>
-                                            <p:cond delay="0"/>
-                                          </p:stCondLst>
-                                        </p:cTn>
-                                        <p:tgtEl>
-                                          <p:spTgt spid="3">
-                                            <p:txEl>
-                                              <p:pRg st="5" end="5"/>
-                                            </p:txEl>
-                                          </p:spTgt>
-                                        </p:tgtEl>
-                                        <p:attrNameLst>
-                                          <p:attrName>style.visibility</p:attrName>
-                                        </p:attrNameLst>
-                                      </p:cBhvr>
-                                      <p:to>
-                                        <p:strVal val="visible"/>
-                                      </p:to>
-                                    </p:set>
-                                    <p:animEffect transition="in" filter="fade">
-                                      <p:cBhvr>
-                                        <p:cTn id="36" dur="1000"/>
-                                        <p:tgtEl>
-                                          <p:spTgt spid="3">
-                                            <p:txEl>
-                                              <p:pRg st="5" end="5"/>
-                                            </p:txEl>
-                                          </p:spTgt>
-                                        </p:tgtEl>
-                                      </p:cBhvr>
-                                    </p:animEffect>
-                                    <p:anim calcmode="lin" valueType="num">
-                                      <p:cBhvr>
-                                        <p:cTn id="37" dur="1000" fill="hold"/>
-                                        <p:tgtEl>
-                                          <p:spTgt spid="3">
-                                            <p:txEl>
-                                              <p:pRg st="5" end="5"/>
-                                            </p:txEl>
-                                          </p:spTgt>
-                                        </p:tgtEl>
-                                        <p:attrNameLst>
-                                          <p:attrName>ppt_x</p:attrName>
-                                        </p:attrNameLst>
-                                      </p:cBhvr>
-                                      <p:tavLst>
-                                        <p:tav tm="0">
-                                          <p:val>
-                                            <p:strVal val="#ppt_x"/>
-                                          </p:val>
-                                        </p:tav>
-                                        <p:tav tm="100000">
-                                          <p:val>
-                                            <p:strVal val="#ppt_x"/>
-                                          </p:val>
-                                        </p:tav>
-                                      </p:tavLst>
-                                    </p:anim>
-                                    <p:anim calcmode="lin" valueType="num">
-                                      <p:cBhvr>
-                                        <p:cTn id="38" dur="1000" fill="hold"/>
-                                        <p:tgtEl>
-                                          <p:spTgt spid="3">
-                                            <p:txEl>
-                                              <p:pRg st="5" end="5"/>
-                                            </p:txEl>
-                                          </p:spTgt>
-                                        </p:tgtEl>
-                                        <p:attrNameLst>
-                                          <p:attrName>ppt_y</p:attrName>
-                                        </p:attrNameLst>
-                                      </p:cBhvr>
-                                      <p:tavLst>
-                                        <p:tav tm="0">
-                                          <p:val>
-                                            <p:strVal val="#ppt_y+.1"/>
-                                          </p:val>
-                                        </p:tav>
-                                        <p:tav tm="100000">
-                                          <p:val>
-                                            <p:strVal val="#ppt_y"/>
-                                          </p:val>
-                                        </p:tav>
-                                      </p:tavLst>
-                                    </p:anim>
-                                  </p:childTnLst>
-                                </p:cTn>
-                              </p:par>
-                              <p:par>
-                                <p:cTn id="39" presetID="42" presetClass="entr" presetSubtype="0" fill="hold" grpId="0" nodeType="withEffect">
-                                  <p:stCondLst>
-                                    <p:cond delay="0"/>
-                                  </p:stCondLst>
-                                  <p:childTnLst>
-                                    <p:set>
-                                      <p:cBhvr>
-                                        <p:cTn id="40" dur="1" fill="hold">
-                                          <p:stCondLst>
-                                            <p:cond delay="0"/>
-                                          </p:stCondLst>
-                                        </p:cTn>
-                                        <p:tgtEl>
-                                          <p:spTgt spid="3">
-                                            <p:txEl>
-                                              <p:pRg st="6" end="6"/>
-                                            </p:txEl>
-                                          </p:spTgt>
-                                        </p:tgtEl>
-                                        <p:attrNameLst>
-                                          <p:attrName>style.visibility</p:attrName>
-                                        </p:attrNameLst>
-                                      </p:cBhvr>
-                                      <p:to>
-                                        <p:strVal val="visible"/>
-                                      </p:to>
-                                    </p:set>
-                                    <p:animEffect transition="in" filter="fade">
-                                      <p:cBhvr>
-                                        <p:cTn id="41" dur="1000"/>
-                                        <p:tgtEl>
-                                          <p:spTgt spid="3">
-                                            <p:txEl>
-                                              <p:pRg st="6" end="6"/>
-                                            </p:txEl>
-                                          </p:spTgt>
-                                        </p:tgtEl>
-                                      </p:cBhvr>
-                                    </p:animEffect>
-                                    <p:anim calcmode="lin" valueType="num">
-                                      <p:cBhvr>
-                                        <p:cTn id="42" dur="1000" fill="hold"/>
-                                        <p:tgtEl>
-                                          <p:spTgt spid="3">
-                                            <p:txEl>
-                                              <p:pRg st="6" end="6"/>
-                                            </p:txEl>
-                                          </p:spTgt>
-                                        </p:tgtEl>
-                                        <p:attrNameLst>
-                                          <p:attrName>ppt_x</p:attrName>
-                                        </p:attrNameLst>
-                                      </p:cBhvr>
-                                      <p:tavLst>
-                                        <p:tav tm="0">
-                                          <p:val>
-                                            <p:strVal val="#ppt_x"/>
-                                          </p:val>
-                                        </p:tav>
-                                        <p:tav tm="100000">
-                                          <p:val>
-                                            <p:strVal val="#ppt_x"/>
-                                          </p:val>
-                                        </p:tav>
-                                      </p:tavLst>
-                                    </p:anim>
-                                    <p:anim calcmode="lin" valueType="num">
-                                      <p:cBhvr>
-                                        <p:cTn id="43" dur="1000" fill="hold"/>
-                                        <p:tgtEl>
-                                          <p:spTgt spid="3">
-                                            <p:txEl>
-                                              <p:pRg st="6" end="6"/>
-                                            </p:txEl>
-                                          </p:spTgt>
-                                        </p:tgtEl>
-                                        <p:attrNameLst>
-                                          <p:attrName>ppt_y</p:attrName>
-                                        </p:attrNameLst>
-                                      </p:cBhvr>
-                                      <p:tavLst>
-                                        <p:tav tm="0">
-                                          <p:val>
-                                            <p:strVal val="#ppt_y+.1"/>
-                                          </p:val>
-                                        </p:tav>
-                                        <p:tav tm="100000">
-                                          <p:val>
-                                            <p:strVal val="#ppt_y"/>
-                                          </p:val>
-                                        </p:tav>
-                                      </p:tavLst>
-                                    </p:anim>
-                                  </p:childTnLst>
-                                </p:cTn>
-                              </p:par>
-                              <p:par>
-                                <p:cTn id="44" presetID="42" presetClass="entr" presetSubtype="0" fill="hold" grpId="0" nodeType="withEffect">
-                                  <p:stCondLst>
-                                    <p:cond delay="0"/>
-                                  </p:stCondLst>
-                                  <p:childTnLst>
-                                    <p:set>
-                                      <p:cBhvr>
-                                        <p:cTn id="45" dur="1" fill="hold">
-                                          <p:stCondLst>
-                                            <p:cond delay="0"/>
-                                          </p:stCondLst>
-                                        </p:cTn>
-                                        <p:tgtEl>
-                                          <p:spTgt spid="3">
-                                            <p:txEl>
-                                              <p:pRg st="7" end="7"/>
-                                            </p:txEl>
-                                          </p:spTgt>
-                                        </p:tgtEl>
-                                        <p:attrNameLst>
-                                          <p:attrName>style.visibility</p:attrName>
-                                        </p:attrNameLst>
-                                      </p:cBhvr>
-                                      <p:to>
-                                        <p:strVal val="visible"/>
-                                      </p:to>
-                                    </p:set>
-                                    <p:animEffect transition="in" filter="fade">
-                                      <p:cBhvr>
-                                        <p:cTn id="46" dur="1000"/>
-                                        <p:tgtEl>
-                                          <p:spTgt spid="3">
-                                            <p:txEl>
-                                              <p:pRg st="7" end="7"/>
-                                            </p:txEl>
-                                          </p:spTgt>
-                                        </p:tgtEl>
-                                      </p:cBhvr>
-                                    </p:animEffect>
-                                    <p:anim calcmode="lin" valueType="num">
-                                      <p:cBhvr>
-                                        <p:cTn id="47" dur="1000" fill="hold"/>
-                                        <p:tgtEl>
-                                          <p:spTgt spid="3">
-                                            <p:txEl>
-                                              <p:pRg st="7" end="7"/>
-                                            </p:txEl>
-                                          </p:spTgt>
-                                        </p:tgtEl>
-                                        <p:attrNameLst>
-                                          <p:attrName>ppt_x</p:attrName>
-                                        </p:attrNameLst>
-                                      </p:cBhvr>
-                                      <p:tavLst>
-                                        <p:tav tm="0">
-                                          <p:val>
-                                            <p:strVal val="#ppt_x"/>
-                                          </p:val>
-                                        </p:tav>
-                                        <p:tav tm="100000">
-                                          <p:val>
-                                            <p:strVal val="#ppt_x"/>
-                                          </p:val>
-                                        </p:tav>
-                                      </p:tavLst>
-                                    </p:anim>
-                                    <p:anim calcmode="lin" valueType="num">
-                                      <p:cBhvr>
-                                        <p:cTn id="48" dur="1000" fill="hold"/>
-                                        <p:tgtEl>
-                                          <p:spTgt spid="3">
-                                            <p:txEl>
-                                              <p:pRg st="7" end="7"/>
-                                            </p:txEl>
-                                          </p:spTgt>
-                                        </p:tgtEl>
-                                        <p:attrNameLst>
-                                          <p:attrName>ppt_y</p:attrName>
-                                        </p:attrNameLst>
-                                      </p:cBhvr>
-                                      <p:tavLst>
-                                        <p:tav tm="0">
-                                          <p:val>
-                                            <p:strVal val="#ppt_y+.1"/>
-                                          </p:val>
-                                        </p:tav>
-                                        <p:tav tm="100000">
-                                          <p:val>
-                                            <p:strVal val="#ppt_y"/>
-                                          </p:val>
-                                        </p:tav>
-                                      </p:tavLst>
-                                    </p:anim>
-                                  </p:childTnLst>
-                                </p:cTn>
-                              </p:par>
-                              <p:par>
-                                <p:cTn id="49" presetID="42" presetClass="entr" presetSubtype="0" fill="hold" grpId="0" nodeType="withEffect">
-                                  <p:stCondLst>
-                                    <p:cond delay="0"/>
-                                  </p:stCondLst>
-                                  <p:childTnLst>
-                                    <p:set>
-                                      <p:cBhvr>
-                                        <p:cTn id="50" dur="1" fill="hold">
-                                          <p:stCondLst>
-                                            <p:cond delay="0"/>
-                                          </p:stCondLst>
-                                        </p:cTn>
-                                        <p:tgtEl>
-                                          <p:spTgt spid="3">
-                                            <p:txEl>
-                                              <p:pRg st="8" end="8"/>
-                                            </p:txEl>
-                                          </p:spTgt>
-                                        </p:tgtEl>
-                                        <p:attrNameLst>
-                                          <p:attrName>style.visibility</p:attrName>
-                                        </p:attrNameLst>
-                                      </p:cBhvr>
-                                      <p:to>
-                                        <p:strVal val="visible"/>
-                                      </p:to>
-                                    </p:set>
-                                    <p:animEffect transition="in" filter="fade">
-                                      <p:cBhvr>
-                                        <p:cTn id="51" dur="1000"/>
-                                        <p:tgtEl>
-                                          <p:spTgt spid="3">
-                                            <p:txEl>
-                                              <p:pRg st="8" end="8"/>
-                                            </p:txEl>
-                                          </p:spTgt>
-                                        </p:tgtEl>
-                                      </p:cBhvr>
-                                    </p:animEffect>
-                                    <p:anim calcmode="lin" valueType="num">
-                                      <p:cBhvr>
-                                        <p:cTn id="52" dur="1000" fill="hold"/>
-                                        <p:tgtEl>
-                                          <p:spTgt spid="3">
-                                            <p:txEl>
-                                              <p:pRg st="8" end="8"/>
-                                            </p:txEl>
-                                          </p:spTgt>
-                                        </p:tgtEl>
-                                        <p:attrNameLst>
-                                          <p:attrName>ppt_x</p:attrName>
-                                        </p:attrNameLst>
-                                      </p:cBhvr>
-                                      <p:tavLst>
-                                        <p:tav tm="0">
-                                          <p:val>
-                                            <p:strVal val="#ppt_x"/>
-                                          </p:val>
-                                        </p:tav>
-                                        <p:tav tm="100000">
-                                          <p:val>
-                                            <p:strVal val="#ppt_x"/>
-                                          </p:val>
-                                        </p:tav>
-                                      </p:tavLst>
-                                    </p:anim>
-                                    <p:anim calcmode="lin" valueType="num">
-                                      <p:cBhvr>
-                                        <p:cTn id="53" dur="1000" fill="hold"/>
-                                        <p:tgtEl>
-                                          <p:spTgt spid="3">
-                                            <p:txEl>
-                                              <p:pRg st="8" end="8"/>
-                                            </p:txEl>
-                                          </p:spTgt>
-                                        </p:tgtEl>
-                                        <p:attrNameLst>
-                                          <p:attrName>ppt_y</p:attrName>
-                                        </p:attrNameLst>
-                                      </p:cBhvr>
-                                      <p:tavLst>
-                                        <p:tav tm="0">
-                                          <p:val>
-                                            <p:strVal val="#ppt_y+.1"/>
-                                          </p:val>
-                                        </p:tav>
-                                        <p:tav tm="100000">
-                                          <p:val>
-                                            <p:strVal val="#ppt_y"/>
-                                          </p:val>
-                                        </p:tav>
-                                      </p:tavLst>
-                                    </p:anim>
-                                  </p:childTnLst>
-                                </p:cTn>
-                              </p:par>
-                            </p:childTnLst>
-                          </p:cTn>
-                        </p:par>
-                      </p:childTnLst>
-                    </p:cTn>
-                  </p:par>
-                </p:childTnLst>
-              </p:cTn>
-              <p:prevCondLst>
-                <p:cond evt="onPrev" delay="0">
-                  <p:tgtEl>
-                    <p:sldTgt/>
-                  </p:tgtEl>
-                </p:cond>
-              </p:prevCondLst>
-              <p:nextCondLst>
-                <p:cond evt="onNext" delay="0">
-                  <p:tgtEl>
-                    <p:sldTgt/>
-                  </p:tgtEl>
-                </p:cond>
-              </p:nextCondLst>
-            </p:seq>
-          </p:childTnLst>
-        </p:cTn>
-      </p:par>
-    </p:tnLst>
-    <p:bldLst>
-      <p:bldP spid="3" grpId="0" build="p"/>
-    </p:bldLst>
-  </p:timing>
-</p:sld>
-</file>
-
-<file path=ppt/slides/slide8.xml><?xml version="1.0" encoding="utf-8"?>
-<p:sld xmlns:a="http://schemas.openxmlformats.org/drawingml/2006/main" xmlns:r="http://schemas.openxmlformats.org/officeDocument/2006/relationships" xmlns:p="http://schemas.openxmlformats.org/presentationml/2006/main">
-  <p:cSld>
-    <p:spTree>
-      <p:nvGrpSpPr>
-        <p:cNvPr id="1" name=""/>
-        <p:cNvGrpSpPr/>
-        <p:nvPr/>
-      </p:nvGrpSpPr>
-      <p:grpSpPr>
-        <a:xfrm>
-          <a:off x="0" y="0"/>
-          <a:ext cx="0" cy="0"/>
-          <a:chOff x="0" y="0"/>
-          <a:chExt cx="0" cy="0"/>
-        </a:xfrm>
-      </p:grpSpPr>
-      <p:sp>
-        <p:nvSpPr>
-          <p:cNvPr id="5" name="Footer Placeholder 4">
-            <a:extLst>
-              <a:ext uri="{FF2B5EF4-FFF2-40B4-BE49-F238E27FC236}">
-                <a16:creationId xmlns:a16="http://schemas.microsoft.com/office/drawing/2014/main" id="{2EFC060E-F962-441B-A55F-0DC5848C3ACD}"/>
-              </a:ext>
-            </a:extLst>
-          </p:cNvPr>
-          <p:cNvSpPr>
-            <a:spLocks noGrp="1"/>
-          </p:cNvSpPr>
-          <p:nvPr>
-            <p:ph type="ftr" sz="quarter" idx="11"/>
-          </p:nvPr>
-        </p:nvSpPr>
-        <p:spPr/>
-        <p:txBody>
-          <a:bodyPr/>
-          <a:lstStyle/>
-          <a:p>
-            <a:r>
-              <a:rPr lang="en-US" altLang="en-US"/>
-              <a:t>Based on presentation from www.cis.upenn.edu/~cse391/cse391_2004/PythonIntro1.ppt </a:t>
-            </a:r>
-          </a:p>
-        </p:txBody>
-      </p:sp>
-      <p:sp>
-        <p:nvSpPr>
-          <p:cNvPr id="26626" name="Rectangle 2">
-            <a:extLst>
-              <a:ext uri="{FF2B5EF4-FFF2-40B4-BE49-F238E27FC236}">
-                <a16:creationId xmlns:a16="http://schemas.microsoft.com/office/drawing/2014/main" id="{EC967D65-2AF9-4CCF-A013-F8E05226ADDA}"/>
-              </a:ext>
-            </a:extLst>
-          </p:cNvPr>
-          <p:cNvSpPr>
-            <a:spLocks noGrp="1" noChangeArrowheads="1"/>
-          </p:cNvSpPr>
-          <p:nvPr>
-            <p:ph type="title"/>
-          </p:nvPr>
-        </p:nvSpPr>
-        <p:spPr/>
-        <p:txBody>
-          <a:bodyPr/>
-          <a:lstStyle/>
-          <a:p>
-            <a:pPr algn="ctr"/>
-            <a:r>
-              <a:rPr lang="en-US" altLang="en-US" b="1" dirty="0"/>
-              <a:t>Whitespace</a:t>
-            </a:r>
-          </a:p>
-        </p:txBody>
-      </p:sp>
-      <p:sp>
-        <p:nvSpPr>
-          <p:cNvPr id="26627" name="Rectangle 3">
-            <a:extLst>
-              <a:ext uri="{FF2B5EF4-FFF2-40B4-BE49-F238E27FC236}">
-                <a16:creationId xmlns:a16="http://schemas.microsoft.com/office/drawing/2014/main" id="{1CFF806B-EEAD-49EA-941E-B790251B0110}"/>
-              </a:ext>
-            </a:extLst>
-          </p:cNvPr>
-          <p:cNvSpPr>
-            <a:spLocks noGrp="1" noChangeArrowheads="1"/>
-          </p:cNvSpPr>
-          <p:nvPr>
-            <p:ph type="body" idx="1"/>
-          </p:nvPr>
-        </p:nvSpPr>
-        <p:spPr/>
-        <p:txBody>
-          <a:bodyPr>
-            <a:normAutofit/>
-          </a:bodyPr>
-          <a:lstStyle/>
-          <a:p>
-            <a:r>
-              <a:rPr lang="en-US" altLang="en-US" dirty="0"/>
-              <a:t>Whitespace is meaningful in Python: especially indentation and placement of newlines.</a:t>
-            </a:r>
-          </a:p>
-          <a:p>
-            <a:pPr lvl="1"/>
-            <a:r>
-              <a:rPr lang="en-US" altLang="en-US" dirty="0"/>
-              <a:t>Use a newline to end a line of code. </a:t>
-            </a:r>
-            <a:br>
-              <a:rPr lang="en-US" altLang="en-US" dirty="0"/>
-            </a:br>
-            <a:r>
-              <a:rPr lang="en-US" altLang="en-US" dirty="0"/>
-              <a:t>(Not a semicolon like in C++ or Java.)</a:t>
-            </a:r>
-          </a:p>
-          <a:p>
-            <a:pPr lvl="1"/>
-            <a:endParaRPr lang="en-US" altLang="en-US" dirty="0"/>
-          </a:p>
-          <a:p>
-            <a:pPr lvl="1"/>
-            <a:r>
-              <a:rPr lang="en-US" altLang="en-US" dirty="0"/>
-              <a:t>No braces { } to mark blocks of code in Python… </a:t>
-            </a:r>
-            <a:br>
-              <a:rPr lang="en-US" altLang="en-US" dirty="0"/>
-            </a:br>
-            <a:r>
-              <a:rPr lang="en-US" altLang="en-US" dirty="0"/>
-              <a:t>Use consistent indentation instead.  The first line with a new indentation is considered outside of the block.</a:t>
-            </a:r>
-          </a:p>
-          <a:p>
-            <a:pPr marL="457200" lvl="1" indent="0">
-              <a:buNone/>
-            </a:pPr>
-            <a:endParaRPr lang="en-US" altLang="en-US" dirty="0"/>
-          </a:p>
-          <a:p>
-            <a:pPr lvl="1"/>
-            <a:r>
-              <a:rPr lang="en-US" altLang="en-US" dirty="0"/>
-              <a:t>Often a colon appears at the start of a new block.  (We’ll see this later for function and class definitions.)</a:t>
-            </a:r>
-          </a:p>
-        </p:txBody>
-      </p:sp>
-    </p:spTree>
-  </p:cSld>
-  <p:clrMapOvr>
-    <a:masterClrMapping/>
-  </p:clrMapOvr>
-  <p:timing>
-    <p:tnLst>
-      <p:par>
-        <p:cTn id="1" dur="indefinite" restart="never" nodeType="tmRoot">
-          <p:childTnLst>
-            <p:seq concurrent="1" nextAc="seek">
-              <p:cTn id="2" dur="indefinite" nodeType="mainSeq">
-                <p:childTnLst>
-                  <p:par>
-                    <p:cTn id="3" fill="hold">
-                      <p:stCondLst>
-                        <p:cond delay="indefinite"/>
-                      </p:stCondLst>
-                      <p:childTnLst>
-                        <p:par>
-                          <p:cTn id="4" fill="hold">
-                            <p:stCondLst>
-                              <p:cond delay="0"/>
-                            </p:stCondLst>
-                            <p:childTnLst>
-                              <p:par>
-                                <p:cTn id="5" presetID="42" presetClass="entr" presetSubtype="0" fill="hold" grpId="0" nodeType="clickEffect">
-                                  <p:stCondLst>
-                                    <p:cond delay="0"/>
-                                  </p:stCondLst>
-                                  <p:childTnLst>
-                                    <p:set>
-                                      <p:cBhvr>
-                                        <p:cTn id="6" dur="1" fill="hold">
-                                          <p:stCondLst>
-                                            <p:cond delay="0"/>
-                                          </p:stCondLst>
-                                        </p:cTn>
-                                        <p:tgtEl>
-                                          <p:spTgt spid="26627">
-                                            <p:txEl>
-                                              <p:pRg st="0" end="0"/>
-                                            </p:txEl>
-                                          </p:spTgt>
-                                        </p:tgtEl>
-                                        <p:attrNameLst>
-                                          <p:attrName>style.visibility</p:attrName>
-                                        </p:attrNameLst>
-                                      </p:cBhvr>
-                                      <p:to>
-                                        <p:strVal val="visible"/>
-                                      </p:to>
-                                    </p:set>
-                                    <p:animEffect transition="in" filter="fade">
-                                      <p:cBhvr>
-                                        <p:cTn id="7" dur="1000"/>
-                                        <p:tgtEl>
-                                          <p:spTgt spid="26627">
-                                            <p:txEl>
-                                              <p:pRg st="0" end="0"/>
-                                            </p:txEl>
-                                          </p:spTgt>
-                                        </p:tgtEl>
-                                      </p:cBhvr>
-                                    </p:animEffect>
-                                    <p:anim calcmode="lin" valueType="num">
-                                      <p:cBhvr>
-                                        <p:cTn id="8" dur="1000" fill="hold"/>
-                                        <p:tgtEl>
-                                          <p:spTgt spid="26627">
-                                            <p:txEl>
-                                              <p:pRg st="0" end="0"/>
-                                            </p:txEl>
-                                          </p:spTgt>
-                                        </p:tgtEl>
-                                        <p:attrNameLst>
-                                          <p:attrName>ppt_x</p:attrName>
-                                        </p:attrNameLst>
-                                      </p:cBhvr>
-                                      <p:tavLst>
-                                        <p:tav tm="0">
-                                          <p:val>
-                                            <p:strVal val="#ppt_x"/>
-                                          </p:val>
-                                        </p:tav>
-                                        <p:tav tm="100000">
-                                          <p:val>
-                                            <p:strVal val="#ppt_x"/>
-                                          </p:val>
-                                        </p:tav>
-                                      </p:tavLst>
-                                    </p:anim>
-                                    <p:anim calcmode="lin" valueType="num">
-                                      <p:cBhvr>
-                                        <p:cTn id="9" dur="1000" fill="hold"/>
-                                        <p:tgtEl>
-                                          <p:spTgt spid="26627">
-                                            <p:txEl>
-                                              <p:pRg st="0" end="0"/>
-                                            </p:txEl>
-                                          </p:spTgt>
-                                        </p:tgtEl>
-                                        <p:attrNameLst>
-                                          <p:attrName>ppt_y</p:attrName>
-                                        </p:attrNameLst>
-                                      </p:cBhvr>
-                                      <p:tavLst>
-                                        <p:tav tm="0">
-                                          <p:val>
-                                            <p:strVal val="#ppt_y+.1"/>
-                                          </p:val>
-                                        </p:tav>
-                                        <p:tav tm="100000">
-                                          <p:val>
-                                            <p:strVal val="#ppt_y"/>
-                                          </p:val>
-                                        </p:tav>
-                                      </p:tavLst>
-                                    </p:anim>
-                                  </p:childTnLst>
-                                </p:cTn>
-                              </p:par>
-                              <p:par>
-                                <p:cTn id="10" presetID="42" presetClass="entr" presetSubtype="0" fill="hold" grpId="0" nodeType="withEffect">
-                                  <p:stCondLst>
-                                    <p:cond delay="0"/>
-                                  </p:stCondLst>
-                                  <p:childTnLst>
-                                    <p:set>
-                                      <p:cBhvr>
-                                        <p:cTn id="11" dur="1" fill="hold">
-                                          <p:stCondLst>
-                                            <p:cond delay="0"/>
-                                          </p:stCondLst>
-                                        </p:cTn>
-                                        <p:tgtEl>
-                                          <p:spTgt spid="26627">
-                                            <p:txEl>
-                                              <p:pRg st="1" end="1"/>
-                                            </p:txEl>
-                                          </p:spTgt>
-                                        </p:tgtEl>
-                                        <p:attrNameLst>
-                                          <p:attrName>style.visibility</p:attrName>
-                                        </p:attrNameLst>
-                                      </p:cBhvr>
-                                      <p:to>
-                                        <p:strVal val="visible"/>
-                                      </p:to>
-                                    </p:set>
-                                    <p:animEffect transition="in" filter="fade">
-                                      <p:cBhvr>
-                                        <p:cTn id="12" dur="1000"/>
-                                        <p:tgtEl>
-                                          <p:spTgt spid="26627">
-                                            <p:txEl>
-                                              <p:pRg st="1" end="1"/>
-                                            </p:txEl>
-                                          </p:spTgt>
-                                        </p:tgtEl>
-                                      </p:cBhvr>
-                                    </p:animEffect>
-                                    <p:anim calcmode="lin" valueType="num">
-                                      <p:cBhvr>
-                                        <p:cTn id="13" dur="1000" fill="hold"/>
-                                        <p:tgtEl>
-                                          <p:spTgt spid="26627">
-                                            <p:txEl>
-                                              <p:pRg st="1" end="1"/>
-                                            </p:txEl>
-                                          </p:spTgt>
-                                        </p:tgtEl>
-                                        <p:attrNameLst>
-                                          <p:attrName>ppt_x</p:attrName>
-                                        </p:attrNameLst>
-                                      </p:cBhvr>
-                                      <p:tavLst>
-                                        <p:tav tm="0">
-                                          <p:val>
-                                            <p:strVal val="#ppt_x"/>
-                                          </p:val>
-                                        </p:tav>
-                                        <p:tav tm="100000">
-                                          <p:val>
-                                            <p:strVal val="#ppt_x"/>
-                                          </p:val>
-                                        </p:tav>
-                                      </p:tavLst>
-                                    </p:anim>
-                                    <p:anim calcmode="lin" valueType="num">
-                                      <p:cBhvr>
-                                        <p:cTn id="14" dur="1000" fill="hold"/>
-                                        <p:tgtEl>
-                                          <p:spTgt spid="26627">
-                                            <p:txEl>
-                                              <p:pRg st="1" end="1"/>
-                                            </p:txEl>
-                                          </p:spTgt>
-                                        </p:tgtEl>
-                                        <p:attrNameLst>
-                                          <p:attrName>ppt_y</p:attrName>
-                                        </p:attrNameLst>
-                                      </p:cBhvr>
-                                      <p:tavLst>
-                                        <p:tav tm="0">
-                                          <p:val>
-                                            <p:strVal val="#ppt_y+.1"/>
-                                          </p:val>
-                                        </p:tav>
-                                        <p:tav tm="100000">
-                                          <p:val>
-                                            <p:strVal val="#ppt_y"/>
-                                          </p:val>
-                                        </p:tav>
-                                      </p:tavLst>
-                                    </p:anim>
-                                  </p:childTnLst>
-                                </p:cTn>
-                              </p:par>
-                              <p:par>
-                                <p:cTn id="15" presetID="42" presetClass="entr" presetSubtype="0" fill="hold" grpId="0" nodeType="withEffect">
-                                  <p:stCondLst>
-                                    <p:cond delay="0"/>
-                                  </p:stCondLst>
-                                  <p:childTnLst>
-                                    <p:set>
-                                      <p:cBhvr>
-                                        <p:cTn id="16" dur="1" fill="hold">
-                                          <p:stCondLst>
-                                            <p:cond delay="0"/>
-                                          </p:stCondLst>
-                                        </p:cTn>
-                                        <p:tgtEl>
-                                          <p:spTgt spid="26627">
-                                            <p:txEl>
-                                              <p:pRg st="3" end="3"/>
-                                            </p:txEl>
-                                          </p:spTgt>
-                                        </p:tgtEl>
-                                        <p:attrNameLst>
-                                          <p:attrName>style.visibility</p:attrName>
-                                        </p:attrNameLst>
-                                      </p:cBhvr>
-                                      <p:to>
-                                        <p:strVal val="visible"/>
-                                      </p:to>
-                                    </p:set>
-                                    <p:animEffect transition="in" filter="fade">
-                                      <p:cBhvr>
-                                        <p:cTn id="17" dur="1000"/>
-                                        <p:tgtEl>
-                                          <p:spTgt spid="26627">
-                                            <p:txEl>
-                                              <p:pRg st="3" end="3"/>
-                                            </p:txEl>
-                                          </p:spTgt>
-                                        </p:tgtEl>
-                                      </p:cBhvr>
-                                    </p:animEffect>
-                                    <p:anim calcmode="lin" valueType="num">
-                                      <p:cBhvr>
-                                        <p:cTn id="18" dur="1000" fill="hold"/>
-                                        <p:tgtEl>
-                                          <p:spTgt spid="26627">
-                                            <p:txEl>
-                                              <p:pRg st="3" end="3"/>
-                                            </p:txEl>
-                                          </p:spTgt>
-                                        </p:tgtEl>
-                                        <p:attrNameLst>
-                                          <p:attrName>ppt_x</p:attrName>
-                                        </p:attrNameLst>
-                                      </p:cBhvr>
-                                      <p:tavLst>
-                                        <p:tav tm="0">
-                                          <p:val>
-                                            <p:strVal val="#ppt_x"/>
-                                          </p:val>
-                                        </p:tav>
-                                        <p:tav tm="100000">
-                                          <p:val>
-                                            <p:strVal val="#ppt_x"/>
-                                          </p:val>
-                                        </p:tav>
-                                      </p:tavLst>
-                                    </p:anim>
-                                    <p:anim calcmode="lin" valueType="num">
-                                      <p:cBhvr>
-                                        <p:cTn id="19" dur="1000" fill="hold"/>
-                                        <p:tgtEl>
-                                          <p:spTgt spid="26627">
-                                            <p:txEl>
-                                              <p:pRg st="3" end="3"/>
-                                            </p:txEl>
-                                          </p:spTgt>
-                                        </p:tgtEl>
-                                        <p:attrNameLst>
-                                          <p:attrName>ppt_y</p:attrName>
-                                        </p:attrNameLst>
-                                      </p:cBhvr>
-                                      <p:tavLst>
-                                        <p:tav tm="0">
-                                          <p:val>
-                                            <p:strVal val="#ppt_y+.1"/>
-                                          </p:val>
-                                        </p:tav>
-                                        <p:tav tm="100000">
-                                          <p:val>
-                                            <p:strVal val="#ppt_y"/>
-                                          </p:val>
-                                        </p:tav>
-                                      </p:tavLst>
-                                    </p:anim>
-                                  </p:childTnLst>
-                                </p:cTn>
-                              </p:par>
-                              <p:par>
-                                <p:cTn id="20" presetID="42" presetClass="entr" presetSubtype="0" fill="hold" grpId="0" nodeType="withEffect">
-                                  <p:stCondLst>
-                                    <p:cond delay="0"/>
-                                  </p:stCondLst>
-                                  <p:childTnLst>
-                                    <p:set>
-                                      <p:cBhvr>
-                                        <p:cTn id="21" dur="1" fill="hold">
-                                          <p:stCondLst>
-                                            <p:cond delay="0"/>
-                                          </p:stCondLst>
-                                        </p:cTn>
-                                        <p:tgtEl>
-                                          <p:spTgt spid="26627">
-                                            <p:txEl>
-                                              <p:pRg st="5" end="5"/>
-                                            </p:txEl>
-                                          </p:spTgt>
-                                        </p:tgtEl>
-                                        <p:attrNameLst>
-                                          <p:attrName>style.visibility</p:attrName>
-                                        </p:attrNameLst>
-                                      </p:cBhvr>
-                                      <p:to>
-                                        <p:strVal val="visible"/>
-                                      </p:to>
-                                    </p:set>
-                                    <p:animEffect transition="in" filter="fade">
-                                      <p:cBhvr>
-                                        <p:cTn id="22" dur="1000"/>
-                                        <p:tgtEl>
-                                          <p:spTgt spid="26627">
-                                            <p:txEl>
-                                              <p:pRg st="5" end="5"/>
-                                            </p:txEl>
-                                          </p:spTgt>
-                                        </p:tgtEl>
-                                      </p:cBhvr>
-                                    </p:animEffect>
-                                    <p:anim calcmode="lin" valueType="num">
-                                      <p:cBhvr>
-                                        <p:cTn id="23" dur="1000" fill="hold"/>
-                                        <p:tgtEl>
-                                          <p:spTgt spid="26627">
-                                            <p:txEl>
-                                              <p:pRg st="5" end="5"/>
-                                            </p:txEl>
-                                          </p:spTgt>
-                                        </p:tgtEl>
-                                        <p:attrNameLst>
-                                          <p:attrName>ppt_x</p:attrName>
-                                        </p:attrNameLst>
-                                      </p:cBhvr>
-                                      <p:tavLst>
-                                        <p:tav tm="0">
-                                          <p:val>
-                                            <p:strVal val="#ppt_x"/>
-                                          </p:val>
-                                        </p:tav>
-                                        <p:tav tm="100000">
-                                          <p:val>
-                                            <p:strVal val="#ppt_x"/>
-                                          </p:val>
-                                        </p:tav>
-                                      </p:tavLst>
-                                    </p:anim>
-                                    <p:anim calcmode="lin" valueType="num">
-                                      <p:cBhvr>
-                                        <p:cTn id="24" dur="1000" fill="hold"/>
-                                        <p:tgtEl>
-                                          <p:spTgt spid="26627">
-                                            <p:txEl>
-                                              <p:pRg st="5" end="5"/>
-                                            </p:txEl>
-                                          </p:spTgt>
-                                        </p:tgtEl>
-                                        <p:attrNameLst>
-                                          <p:attrName>ppt_y</p:attrName>
-                                        </p:attrNameLst>
-                                      </p:cBhvr>
-                                      <p:tavLst>
-                                        <p:tav tm="0">
-                                          <p:val>
-                                            <p:strVal val="#ppt_y+.1"/>
-                                          </p:val>
-                                        </p:tav>
-                                        <p:tav tm="100000">
-                                          <p:val>
-                                            <p:strVal val="#ppt_y"/>
-                                          </p:val>
-                                        </p:tav>
-                                      </p:tavLst>
-                                    </p:anim>
-                                  </p:childTnLst>
-                                </p:cTn>
-                              </p:par>
-                            </p:childTnLst>
-                          </p:cTn>
-                        </p:par>
-                      </p:childTnLst>
-                    </p:cTn>
-                  </p:par>
-                </p:childTnLst>
-              </p:cTn>
-              <p:prevCondLst>
-                <p:cond evt="onPrev" delay="0">
-                  <p:tgtEl>
-                    <p:sldTgt/>
-                  </p:tgtEl>
-                </p:cond>
-              </p:prevCondLst>
-              <p:nextCondLst>
-                <p:cond evt="onNext" delay="0">
-                  <p:tgtEl>
-                    <p:sldTgt/>
-                  </p:tgtEl>
-                </p:cond>
-              </p:nextCondLst>
-            </p:seq>
-          </p:childTnLst>
-        </p:cTn>
-      </p:par>
-    </p:tnLst>
-    <p:bldLst>
-      <p:bldP spid="26627" grpId="0" uiExpand="1" build="p"/>
-    </p:bldLst>
-  </p:timing>
-</p:sld>
-</file>
-
-<file path=ppt/slides/slide9.xml><?xml version="1.0" encoding="utf-8"?>
-<p:sld xmlns:a="http://schemas.openxmlformats.org/drawingml/2006/main" xmlns:r="http://schemas.openxmlformats.org/officeDocument/2006/relationships" xmlns:p="http://schemas.openxmlformats.org/presentationml/2006/main">
-  <p:cSld>
-    <p:spTree>
-      <p:nvGrpSpPr>
-        <p:cNvPr id="1" name=""/>
-        <p:cNvGrpSpPr/>
-        <p:nvPr/>
-      </p:nvGrpSpPr>
-      <p:grpSpPr>
-        <a:xfrm>
-          <a:off x="0" y="0"/>
-          <a:ext cx="0" cy="0"/>
-          <a:chOff x="0" y="0"/>
-          <a:chExt cx="0" cy="0"/>
-        </a:xfrm>
-      </p:grpSpPr>
-      <p:sp>
-        <p:nvSpPr>
-          <p:cNvPr id="5" name="Footer Placeholder 4">
-            <a:extLst>
-              <a:ext uri="{FF2B5EF4-FFF2-40B4-BE49-F238E27FC236}">
-                <a16:creationId xmlns:a16="http://schemas.microsoft.com/office/drawing/2014/main" id="{BABAD7AC-6D8B-411B-9A2F-78BC7BD7991C}"/>
-              </a:ext>
-            </a:extLst>
-          </p:cNvPr>
-          <p:cNvSpPr>
-            <a:spLocks noGrp="1"/>
-          </p:cNvSpPr>
-          <p:nvPr>
-            <p:ph type="ftr" sz="quarter" idx="11"/>
-          </p:nvPr>
-        </p:nvSpPr>
-        <p:spPr/>
-        <p:txBody>
-          <a:bodyPr/>
-          <a:lstStyle/>
-          <a:p>
-            <a:r>
-              <a:rPr lang="en-US" altLang="en-US"/>
-              <a:t>Based on presentation from www.cis.upenn.edu/~cse391/cse391_2004/PythonIntro1.ppt </a:t>
-            </a:r>
-          </a:p>
-        </p:txBody>
-      </p:sp>
-      <p:sp>
-        <p:nvSpPr>
-          <p:cNvPr id="27650" name="Rectangle 2">
-            <a:extLst>
-              <a:ext uri="{FF2B5EF4-FFF2-40B4-BE49-F238E27FC236}">
-                <a16:creationId xmlns:a16="http://schemas.microsoft.com/office/drawing/2014/main" id="{67800867-CF03-4FB9-8FA0-3C42401259F4}"/>
-              </a:ext>
-            </a:extLst>
-          </p:cNvPr>
-          <p:cNvSpPr>
-            <a:spLocks noGrp="1" noChangeArrowheads="1"/>
-          </p:cNvSpPr>
-          <p:nvPr>
-            <p:ph type="title"/>
-          </p:nvPr>
-        </p:nvSpPr>
-        <p:spPr/>
-        <p:txBody>
-          <a:bodyPr/>
-          <a:lstStyle/>
-          <a:p>
-            <a:pPr algn="ctr"/>
-            <a:r>
-              <a:rPr lang="en-US" altLang="en-US" b="1" dirty="0"/>
-              <a:t>Comments</a:t>
-            </a:r>
-          </a:p>
-        </p:txBody>
-      </p:sp>
-      <p:sp>
-        <p:nvSpPr>
-          <p:cNvPr id="27651" name="Rectangle 3">
-            <a:extLst>
-              <a:ext uri="{FF2B5EF4-FFF2-40B4-BE49-F238E27FC236}">
-                <a16:creationId xmlns:a16="http://schemas.microsoft.com/office/drawing/2014/main" id="{9150B8B8-7F32-42AF-8B25-35BB0E3066E4}"/>
-              </a:ext>
-            </a:extLst>
-          </p:cNvPr>
-          <p:cNvSpPr>
-            <a:spLocks noGrp="1" noChangeArrowheads="1"/>
-          </p:cNvSpPr>
-          <p:nvPr>
-            <p:ph type="body" idx="1"/>
-          </p:nvPr>
-        </p:nvSpPr>
-        <p:spPr/>
-        <p:txBody>
-          <a:bodyPr/>
-          <a:lstStyle/>
-          <a:p>
-            <a:r>
-              <a:rPr lang="en-US" altLang="en-US" dirty="0"/>
-              <a:t>Start comments with </a:t>
-            </a:r>
-            <a:r>
-              <a:rPr lang="en-US" altLang="en-US" dirty="0">
-                <a:solidFill>
-                  <a:schemeClr val="accent6">
-                    <a:lumMod val="50000"/>
-                  </a:schemeClr>
-                </a:solidFill>
-              </a:rPr>
-              <a:t># the rest of line is ignored.</a:t>
-            </a:r>
-          </a:p>
-          <a:p>
-            <a:r>
-              <a:rPr lang="en-US" altLang="en-US" dirty="0"/>
-              <a:t>Can include a “documentation string” as the first line of any new function or class that you define.</a:t>
-            </a:r>
-          </a:p>
-          <a:p>
-            <a:r>
-              <a:rPr lang="en-US" altLang="en-US" dirty="0"/>
-              <a:t>The development environment, debugger, and other tools use it: it’s good style to include one.</a:t>
-            </a:r>
-          </a:p>
-          <a:p>
-            <a:pPr lvl="1">
-              <a:buFontTx/>
-              <a:buNone/>
-            </a:pPr>
-            <a:r>
-              <a:rPr lang="en-US" altLang="en-US" b="1" dirty="0">
-                <a:solidFill>
-                  <a:srgbClr val="FF6600"/>
-                </a:solidFill>
-                <a:latin typeface="Courier New" panose="02070309020205020404" pitchFamily="49" charset="0"/>
-              </a:rPr>
-              <a:t>def</a:t>
-            </a:r>
-            <a:r>
-              <a:rPr lang="en-US" altLang="en-US" b="1" dirty="0">
-                <a:latin typeface="Courier New" panose="02070309020205020404" pitchFamily="49" charset="0"/>
-              </a:rPr>
-              <a:t> </a:t>
-            </a:r>
-            <a:r>
-              <a:rPr lang="en-US" altLang="en-US" b="1" dirty="0" err="1">
-                <a:solidFill>
-                  <a:schemeClr val="hlink"/>
-                </a:solidFill>
-                <a:latin typeface="Courier New" panose="02070309020205020404" pitchFamily="49" charset="0"/>
-              </a:rPr>
-              <a:t>my_function</a:t>
-            </a:r>
-            <a:r>
-              <a:rPr lang="en-US" altLang="en-US" b="1" dirty="0">
-                <a:latin typeface="Courier New" panose="02070309020205020404" pitchFamily="49" charset="0"/>
-              </a:rPr>
-              <a:t>(x, y):</a:t>
-            </a:r>
-          </a:p>
-          <a:p>
-            <a:pPr lvl="1">
-              <a:buFontTx/>
-              <a:buNone/>
-            </a:pPr>
-            <a:r>
-              <a:rPr lang="en-US" altLang="en-US" b="1" dirty="0">
-                <a:solidFill>
-                  <a:srgbClr val="008000"/>
-                </a:solidFill>
-                <a:latin typeface="Courier New" panose="02070309020205020404" pitchFamily="49" charset="0"/>
-              </a:rPr>
-              <a:t>  “““This is the docstring. This </a:t>
-            </a:r>
-            <a:br>
-              <a:rPr lang="en-US" altLang="en-US" b="1" dirty="0">
-                <a:solidFill>
-                  <a:srgbClr val="008000"/>
-                </a:solidFill>
-                <a:latin typeface="Courier New" panose="02070309020205020404" pitchFamily="49" charset="0"/>
-              </a:rPr>
-            </a:br>
-            <a:r>
-              <a:rPr lang="en-US" altLang="en-US" b="1" dirty="0">
-                <a:solidFill>
-                  <a:srgbClr val="008000"/>
-                </a:solidFill>
-                <a:latin typeface="Courier New" panose="02070309020205020404" pitchFamily="49" charset="0"/>
-              </a:rPr>
-              <a:t>function does blah blah blah.”””</a:t>
-            </a:r>
-            <a:br>
-              <a:rPr lang="en-US" altLang="en-US" b="1" dirty="0">
-                <a:solidFill>
-                  <a:srgbClr val="008000"/>
-                </a:solidFill>
-                <a:latin typeface="Courier New" panose="02070309020205020404" pitchFamily="49" charset="0"/>
-              </a:rPr>
-            </a:br>
-            <a:r>
-              <a:rPr lang="en-US" altLang="en-US" b="1" dirty="0">
-                <a:solidFill>
-                  <a:srgbClr val="FF3300"/>
-                </a:solidFill>
-                <a:latin typeface="Courier New" panose="02070309020205020404" pitchFamily="49" charset="0"/>
-              </a:rPr>
-              <a:t># The code would go here...</a:t>
-            </a:r>
-            <a:r>
-              <a:rPr lang="en-US" altLang="en-US" b="1" dirty="0">
-                <a:latin typeface="Courier New" panose="02070309020205020404" pitchFamily="49" charset="0"/>
-              </a:rPr>
-              <a:t> </a:t>
-            </a:r>
-          </a:p>
-        </p:txBody>
-      </p:sp>
-    </p:spTree>
   </p:cSld>
   <p:clrMapOvr>
     <a:masterClrMapping/>
